--- a/doc/presentation/MyPresentation.pptx
+++ b/doc/presentation/MyPresentation.pptx
@@ -5,7 +5,11 @@
     <p:sldMasterId id="2147483648" r:id="rId1"/>
   </p:sldMasterIdLst>
   <p:sldIdLst>
-    <p:sldId id="256" r:id="rId2"/>
+    <p:sldId id="258" r:id="rId2"/>
+    <p:sldId id="259" r:id="rId3"/>
+    <p:sldId id="256" r:id="rId4"/>
+    <p:sldId id="257" r:id="rId5"/>
+    <p:sldId id="260" r:id="rId6"/>
   </p:sldIdLst>
   <p:sldSz cx="12192000" cy="6858000"/>
   <p:notesSz cx="6858000" cy="9144000"/>
@@ -104,6 +108,11 @@
       </a:defRPr>
     </a:lvl9pPr>
   </p:defaultTextStyle>
+  <p:extLst>
+    <p:ext uri="{EFAFB233-063F-42B5-8137-9DF3F51BA10A}">
+      <p15:sldGuideLst xmlns:p15="http://schemas.microsoft.com/office/powerpoint/2012/main"/>
+    </p:ext>
+  </p:extLst>
 </p:presentation>
 </file>
 
@@ -1123,7 +1132,19 @@
         <a:p>
           <a:r>
             <a:rPr lang="en-US" dirty="0" smtClean="0"/>
-            <a:t>Topic Modeling (LDA)</a:t>
+            <a:t>Topic Modeling </a:t>
+          </a:r>
+          <a:r>
+            <a:rPr lang="en-US" dirty="0" smtClean="0"/>
+            <a:t> using Latent </a:t>
+          </a:r>
+          <a:r>
+            <a:rPr lang="en-US" dirty="0" err="1" smtClean="0"/>
+            <a:t>Dirichlet</a:t>
+          </a:r>
+          <a:r>
+            <a:rPr lang="en-US" dirty="0" smtClean="0"/>
+            <a:t> Allocation (LDA)</a:t>
           </a:r>
           <a:endParaRPr lang="en-US" dirty="0"/>
         </a:p>
@@ -1234,7 +1255,7 @@
         <a:p>
           <a:r>
             <a:rPr lang="en-US" dirty="0" smtClean="0"/>
-            <a:t>Persist business R Object to database</a:t>
+            <a:t>Persist business R Objects to database (optional)</a:t>
           </a:r>
           <a:endParaRPr lang="en-US" dirty="0"/>
         </a:p>
@@ -1299,6 +1320,339 @@
         </a:p>
       </dgm:t>
     </dgm:pt>
+    <dgm:pt modelId="{136F2A81-73A2-46C4-AE82-023DF0471795}">
+      <dgm:prSet/>
+      <dgm:spPr/>
+      <dgm:t>
+        <a:bodyPr/>
+        <a:lstStyle/>
+        <a:p>
+          <a:r>
+            <a:rPr lang="en-US" dirty="0" smtClean="0"/>
+            <a:t>Query business and review text for only healthcare related business in Arizona state</a:t>
+          </a:r>
+          <a:endParaRPr lang="en-US" dirty="0"/>
+        </a:p>
+      </dgm:t>
+    </dgm:pt>
+    <dgm:pt modelId="{C89E93A3-4C6B-4C0A-9BA8-3772F9168C20}" type="parTrans" cxnId="{0470F904-8937-45CF-9E23-5B6E36107E32}">
+      <dgm:prSet/>
+      <dgm:spPr/>
+      <dgm:t>
+        <a:bodyPr/>
+        <a:lstStyle/>
+        <a:p>
+          <a:endParaRPr lang="en-US"/>
+        </a:p>
+      </dgm:t>
+    </dgm:pt>
+    <dgm:pt modelId="{94881302-6D45-4447-8A6D-88BCB3AFD23F}" type="sibTrans" cxnId="{0470F904-8937-45CF-9E23-5B6E36107E32}">
+      <dgm:prSet/>
+      <dgm:spPr/>
+      <dgm:t>
+        <a:bodyPr/>
+        <a:lstStyle/>
+        <a:p>
+          <a:endParaRPr lang="en-US"/>
+        </a:p>
+      </dgm:t>
+    </dgm:pt>
+    <dgm:pt modelId="{16775495-15DF-4DE0-BA86-B53AB833B24E}">
+      <dgm:prSet/>
+      <dgm:spPr/>
+      <dgm:t>
+        <a:bodyPr/>
+        <a:lstStyle/>
+        <a:p>
+          <a:r>
+            <a:rPr lang="en-US" dirty="0" smtClean="0"/>
+            <a:t>Persist the merged result to a table in an RDBMS for use and query later</a:t>
+          </a:r>
+          <a:endParaRPr lang="en-US" dirty="0"/>
+        </a:p>
+      </dgm:t>
+    </dgm:pt>
+    <dgm:pt modelId="{FFDDA656-9A32-4AD5-93DE-C26F25AE7134}" type="parTrans" cxnId="{FC6DEBC9-E171-431B-9741-D4105C71BCB2}">
+      <dgm:prSet/>
+      <dgm:spPr/>
+      <dgm:t>
+        <a:bodyPr/>
+        <a:lstStyle/>
+        <a:p>
+          <a:endParaRPr lang="en-US"/>
+        </a:p>
+      </dgm:t>
+    </dgm:pt>
+    <dgm:pt modelId="{210B81D2-1B02-466B-8CCA-F9F93C574CFD}" type="sibTrans" cxnId="{FC6DEBC9-E171-431B-9741-D4105C71BCB2}">
+      <dgm:prSet/>
+      <dgm:spPr/>
+      <dgm:t>
+        <a:bodyPr/>
+        <a:lstStyle/>
+        <a:p>
+          <a:endParaRPr lang="en-US"/>
+        </a:p>
+      </dgm:t>
+    </dgm:pt>
+    <dgm:pt modelId="{E4E65F8C-A356-4622-91E6-733B2D302BF8}">
+      <dgm:prSet/>
+      <dgm:spPr/>
+      <dgm:t>
+        <a:bodyPr/>
+        <a:lstStyle/>
+        <a:p>
+          <a:r>
+            <a:rPr lang="en-US" dirty="0" smtClean="0"/>
+            <a:t>Create corpus, remove punctuations, number, stop words</a:t>
+          </a:r>
+          <a:endParaRPr lang="en-US" dirty="0"/>
+        </a:p>
+      </dgm:t>
+    </dgm:pt>
+    <dgm:pt modelId="{E28AE0D5-5B90-4ED2-8472-B80EADABD49B}" type="parTrans" cxnId="{FE2C142F-5CE1-43E5-B85D-BECCC7D47E08}">
+      <dgm:prSet/>
+      <dgm:spPr/>
+      <dgm:t>
+        <a:bodyPr/>
+        <a:lstStyle/>
+        <a:p>
+          <a:endParaRPr lang="en-US"/>
+        </a:p>
+      </dgm:t>
+    </dgm:pt>
+    <dgm:pt modelId="{550DE831-782C-4453-BE54-D8A2986F998A}" type="sibTrans" cxnId="{FE2C142F-5CE1-43E5-B85D-BECCC7D47E08}">
+      <dgm:prSet/>
+      <dgm:spPr/>
+      <dgm:t>
+        <a:bodyPr/>
+        <a:lstStyle/>
+        <a:p>
+          <a:endParaRPr lang="en-US"/>
+        </a:p>
+      </dgm:t>
+    </dgm:pt>
+    <dgm:pt modelId="{8D240DDA-76AC-4909-AD28-24F963EE01A7}">
+      <dgm:prSet/>
+      <dgm:spPr/>
+      <dgm:t>
+        <a:bodyPr/>
+        <a:lstStyle/>
+        <a:p>
+          <a:r>
+            <a:rPr lang="en-US" dirty="0" smtClean="0"/>
+            <a:t>Stemming all documents</a:t>
+          </a:r>
+          <a:endParaRPr lang="en-US" dirty="0"/>
+        </a:p>
+      </dgm:t>
+    </dgm:pt>
+    <dgm:pt modelId="{117C77AF-F5F4-44E5-AC93-1E267DA3FDC9}" type="parTrans" cxnId="{AD625BA6-B502-4D1A-BEBC-D7A103349F95}">
+      <dgm:prSet/>
+      <dgm:spPr/>
+      <dgm:t>
+        <a:bodyPr/>
+        <a:lstStyle/>
+        <a:p>
+          <a:endParaRPr lang="en-US"/>
+        </a:p>
+      </dgm:t>
+    </dgm:pt>
+    <dgm:pt modelId="{04D7AE0F-B739-4344-9C14-F7B68299988F}" type="sibTrans" cxnId="{AD625BA6-B502-4D1A-BEBC-D7A103349F95}">
+      <dgm:prSet/>
+      <dgm:spPr/>
+      <dgm:t>
+        <a:bodyPr/>
+        <a:lstStyle/>
+        <a:p>
+          <a:endParaRPr lang="en-US"/>
+        </a:p>
+      </dgm:t>
+    </dgm:pt>
+    <dgm:pt modelId="{4E958641-EF01-45A6-8504-29227A8D173C}">
+      <dgm:prSet/>
+      <dgm:spPr/>
+      <dgm:t>
+        <a:bodyPr/>
+        <a:lstStyle/>
+        <a:p>
+          <a:r>
+            <a:rPr lang="en-US" dirty="0" smtClean="0"/>
+            <a:t>Using R tm package to create Document term matrix (DTM) and term document matrix (TDM) </a:t>
+          </a:r>
+          <a:endParaRPr lang="en-US" dirty="0"/>
+        </a:p>
+      </dgm:t>
+    </dgm:pt>
+    <dgm:pt modelId="{7FAB8E2A-84C1-4D97-BD44-003233F2C4D0}" type="parTrans" cxnId="{54FAF91D-7301-4C2A-9198-51936A3F2866}">
+      <dgm:prSet/>
+      <dgm:spPr/>
+      <dgm:t>
+        <a:bodyPr/>
+        <a:lstStyle/>
+        <a:p>
+          <a:endParaRPr lang="en-US"/>
+        </a:p>
+      </dgm:t>
+    </dgm:pt>
+    <dgm:pt modelId="{40604F42-14D6-48EC-8B00-D88F5DF74404}" type="sibTrans" cxnId="{54FAF91D-7301-4C2A-9198-51936A3F2866}">
+      <dgm:prSet/>
+      <dgm:spPr/>
+      <dgm:t>
+        <a:bodyPr/>
+        <a:lstStyle/>
+        <a:p>
+          <a:endParaRPr lang="en-US"/>
+        </a:p>
+      </dgm:t>
+    </dgm:pt>
+    <dgm:pt modelId="{860AF616-77DB-4B6C-BEF9-0C2E50B8182B}">
+      <dgm:prSet/>
+      <dgm:spPr/>
+      <dgm:t>
+        <a:bodyPr/>
+        <a:lstStyle/>
+        <a:p>
+          <a:r>
+            <a:rPr lang="en-US" dirty="0" smtClean="0"/>
+            <a:t>Remove sparsity</a:t>
+          </a:r>
+          <a:endParaRPr lang="en-US" dirty="0"/>
+        </a:p>
+      </dgm:t>
+    </dgm:pt>
+    <dgm:pt modelId="{36188AB8-ECDA-4857-8782-68B58D858438}" type="parTrans" cxnId="{E9AD0B7A-EC35-4D97-941A-C7E0E1754197}">
+      <dgm:prSet/>
+      <dgm:spPr/>
+      <dgm:t>
+        <a:bodyPr/>
+        <a:lstStyle/>
+        <a:p>
+          <a:endParaRPr lang="en-US"/>
+        </a:p>
+      </dgm:t>
+    </dgm:pt>
+    <dgm:pt modelId="{16B69289-1CB0-488B-BF24-D5F208BA5AC5}" type="sibTrans" cxnId="{E9AD0B7A-EC35-4D97-941A-C7E0E1754197}">
+      <dgm:prSet/>
+      <dgm:spPr/>
+      <dgm:t>
+        <a:bodyPr/>
+        <a:lstStyle/>
+        <a:p>
+          <a:endParaRPr lang="en-US"/>
+        </a:p>
+      </dgm:t>
+    </dgm:pt>
+    <dgm:pt modelId="{03292351-BA20-4242-A909-FC6FD069DF99}">
+      <dgm:prSet phldrT="[Text]"/>
+      <dgm:spPr/>
+      <dgm:t>
+        <a:bodyPr/>
+        <a:lstStyle/>
+        <a:p>
+          <a:r>
+            <a:rPr lang="en-US" dirty="0" smtClean="0"/>
+            <a:t>Latent Semantic Analysis (LSA)</a:t>
+          </a:r>
+          <a:endParaRPr lang="en-US" dirty="0"/>
+        </a:p>
+      </dgm:t>
+    </dgm:pt>
+    <dgm:pt modelId="{FBDCBBF3-159D-4167-BA1A-547549DE8325}" type="parTrans" cxnId="{8AF80A01-83C4-4ACD-884B-262D9B9A1392}">
+      <dgm:prSet/>
+      <dgm:spPr/>
+      <dgm:t>
+        <a:bodyPr/>
+        <a:lstStyle/>
+        <a:p>
+          <a:endParaRPr lang="en-US"/>
+        </a:p>
+      </dgm:t>
+    </dgm:pt>
+    <dgm:pt modelId="{F944F270-7716-457D-BE28-A2F1C4CF0772}" type="sibTrans" cxnId="{8AF80A01-83C4-4ACD-884B-262D9B9A1392}">
+      <dgm:prSet/>
+      <dgm:spPr/>
+      <dgm:t>
+        <a:bodyPr/>
+        <a:lstStyle/>
+        <a:p>
+          <a:endParaRPr lang="en-US"/>
+        </a:p>
+      </dgm:t>
+    </dgm:pt>
+    <dgm:pt modelId="{4219EA2B-9139-43D1-94E9-4BB7D30D962A}">
+      <dgm:prSet phldrT="[Text]"/>
+      <dgm:spPr/>
+      <dgm:t>
+        <a:bodyPr/>
+        <a:lstStyle/>
+        <a:p>
+          <a:r>
+            <a:rPr lang="en-US" dirty="0" smtClean="0"/>
+            <a:t>Group and label the review text with a topic</a:t>
+          </a:r>
+          <a:endParaRPr lang="en-US" dirty="0"/>
+        </a:p>
+      </dgm:t>
+    </dgm:pt>
+    <dgm:pt modelId="{8289E78E-4F78-49BC-A390-599DE843D3EC}" type="parTrans" cxnId="{A1B476BA-F268-4EB3-9AC3-F9734982C0A2}">
+      <dgm:prSet/>
+      <dgm:spPr/>
+      <dgm:t>
+        <a:bodyPr/>
+        <a:lstStyle/>
+        <a:p>
+          <a:endParaRPr lang="en-US"/>
+        </a:p>
+      </dgm:t>
+    </dgm:pt>
+    <dgm:pt modelId="{A6D59B80-2003-4DFF-91CD-7264D614946B}" type="sibTrans" cxnId="{A1B476BA-F268-4EB3-9AC3-F9734982C0A2}">
+      <dgm:prSet/>
+      <dgm:spPr/>
+      <dgm:t>
+        <a:bodyPr/>
+        <a:lstStyle/>
+        <a:p>
+          <a:endParaRPr lang="en-US"/>
+        </a:p>
+      </dgm:t>
+    </dgm:pt>
+    <dgm:pt modelId="{56C6956C-A08C-4B26-BB21-BFE264F004A8}">
+      <dgm:prSet phldrT="[Text]"/>
+      <dgm:spPr/>
+      <dgm:t>
+        <a:bodyPr/>
+        <a:lstStyle/>
+        <a:p>
+          <a:r>
+            <a:rPr lang="en-US" dirty="0" smtClean="0"/>
+            <a:t>Finding similarities among the review documents</a:t>
+          </a:r>
+          <a:endParaRPr lang="en-US" dirty="0"/>
+        </a:p>
+      </dgm:t>
+    </dgm:pt>
+    <dgm:pt modelId="{4FA4C01D-B94D-4B78-BCB4-F437AC543D59}" type="parTrans" cxnId="{6A099B7B-89E9-4FA9-8C44-90867E221DE1}">
+      <dgm:prSet/>
+      <dgm:spPr/>
+      <dgm:t>
+        <a:bodyPr/>
+        <a:lstStyle/>
+        <a:p>
+          <a:endParaRPr lang="en-US"/>
+        </a:p>
+      </dgm:t>
+    </dgm:pt>
+    <dgm:pt modelId="{69F96DA1-659F-4668-A7FC-DDE0CCEF8F0B}" type="sibTrans" cxnId="{6A099B7B-89E9-4FA9-8C44-90867E221DE1}">
+      <dgm:prSet/>
+      <dgm:spPr/>
+      <dgm:t>
+        <a:bodyPr/>
+        <a:lstStyle/>
+        <a:p>
+          <a:endParaRPr lang="en-US"/>
+        </a:p>
+      </dgm:t>
+    </dgm:pt>
     <dgm:pt modelId="{DA5481D8-49F6-4363-B6D3-B19616BC798F}" type="pres">
       <dgm:prSet presAssocID="{0F1124F1-BB4A-407B-891B-BB9B9DC77E71}" presName="linear" presStyleCnt="0">
         <dgm:presLayoutVars>
@@ -1308,17 +1662,31 @@
         </dgm:presLayoutVars>
       </dgm:prSet>
       <dgm:spPr/>
+      <dgm:t>
+        <a:bodyPr/>
+        <a:lstStyle/>
+        <a:p>
+          <a:endParaRPr lang="en-US"/>
+        </a:p>
+      </dgm:t>
     </dgm:pt>
     <dgm:pt modelId="{842C0200-8685-47CC-9B7F-3A4DCB136FBD}" type="pres">
       <dgm:prSet presAssocID="{C6E33E3B-4A34-4867-B930-55E192878CB0}" presName="parentLin" presStyleCnt="0"/>
       <dgm:spPr/>
     </dgm:pt>
     <dgm:pt modelId="{22D2004A-930F-459D-888D-A563C6307FA0}" type="pres">
-      <dgm:prSet presAssocID="{C6E33E3B-4A34-4867-B930-55E192878CB0}" presName="parentLeftMargin" presStyleLbl="node1" presStyleIdx="0" presStyleCnt="3"/>
+      <dgm:prSet presAssocID="{C6E33E3B-4A34-4867-B930-55E192878CB0}" presName="parentLeftMargin" presStyleLbl="node1" presStyleIdx="0" presStyleCnt="4"/>
       <dgm:spPr/>
+      <dgm:t>
+        <a:bodyPr/>
+        <a:lstStyle/>
+        <a:p>
+          <a:endParaRPr lang="en-US"/>
+        </a:p>
+      </dgm:t>
     </dgm:pt>
     <dgm:pt modelId="{9D328815-686E-4587-8A37-16ECD0204B6B}" type="pres">
-      <dgm:prSet presAssocID="{C6E33E3B-4A34-4867-B930-55E192878CB0}" presName="parentText" presStyleLbl="node1" presStyleIdx="0" presStyleCnt="3">
+      <dgm:prSet presAssocID="{C6E33E3B-4A34-4867-B930-55E192878CB0}" presName="parentText" presStyleLbl="node1" presStyleIdx="0" presStyleCnt="4">
         <dgm:presLayoutVars>
           <dgm:chMax val="0"/>
           <dgm:bulletEnabled val="1"/>
@@ -1338,7 +1706,7 @@
       <dgm:spPr/>
     </dgm:pt>
     <dgm:pt modelId="{B135836A-5259-4053-8883-2CEDCB53BFBC}" type="pres">
-      <dgm:prSet presAssocID="{C6E33E3B-4A34-4867-B930-55E192878CB0}" presName="childText" presStyleLbl="conFgAcc1" presStyleIdx="0" presStyleCnt="3">
+      <dgm:prSet presAssocID="{C6E33E3B-4A34-4867-B930-55E192878CB0}" presName="childText" presStyleLbl="conFgAcc1" presStyleIdx="0" presStyleCnt="4">
         <dgm:presLayoutVars>
           <dgm:bulletEnabled val="1"/>
         </dgm:presLayoutVars>
@@ -1361,29 +1729,50 @@
       <dgm:spPr/>
     </dgm:pt>
     <dgm:pt modelId="{F0653103-C18F-4A7C-B56E-39FBA5C9171B}" type="pres">
-      <dgm:prSet presAssocID="{9275A3F9-724D-4C3B-AD32-4C0CA29A212A}" presName="parentLeftMargin" presStyleLbl="node1" presStyleIdx="0" presStyleCnt="3"/>
+      <dgm:prSet presAssocID="{9275A3F9-724D-4C3B-AD32-4C0CA29A212A}" presName="parentLeftMargin" presStyleLbl="node1" presStyleIdx="0" presStyleCnt="4"/>
       <dgm:spPr/>
+      <dgm:t>
+        <a:bodyPr/>
+        <a:lstStyle/>
+        <a:p>
+          <a:endParaRPr lang="en-US"/>
+        </a:p>
+      </dgm:t>
     </dgm:pt>
     <dgm:pt modelId="{88425A1B-CE82-4A74-86D7-DFF3A0D39D54}" type="pres">
-      <dgm:prSet presAssocID="{9275A3F9-724D-4C3B-AD32-4C0CA29A212A}" presName="parentText" presStyleLbl="node1" presStyleIdx="1" presStyleCnt="3">
+      <dgm:prSet presAssocID="{9275A3F9-724D-4C3B-AD32-4C0CA29A212A}" presName="parentText" presStyleLbl="node1" presStyleIdx="1" presStyleCnt="4">
         <dgm:presLayoutVars>
           <dgm:chMax val="0"/>
           <dgm:bulletEnabled val="1"/>
         </dgm:presLayoutVars>
       </dgm:prSet>
       <dgm:spPr/>
+      <dgm:t>
+        <a:bodyPr/>
+        <a:lstStyle/>
+        <a:p>
+          <a:endParaRPr lang="en-US"/>
+        </a:p>
+      </dgm:t>
     </dgm:pt>
     <dgm:pt modelId="{A41413A3-FDF4-493A-843A-61D7AC65CCA1}" type="pres">
       <dgm:prSet presAssocID="{9275A3F9-724D-4C3B-AD32-4C0CA29A212A}" presName="negativeSpace" presStyleCnt="0"/>
       <dgm:spPr/>
     </dgm:pt>
     <dgm:pt modelId="{904B8CB1-8C8B-40AF-B953-D228748C4D2E}" type="pres">
-      <dgm:prSet presAssocID="{9275A3F9-724D-4C3B-AD32-4C0CA29A212A}" presName="childText" presStyleLbl="conFgAcc1" presStyleIdx="1" presStyleCnt="3">
+      <dgm:prSet presAssocID="{9275A3F9-724D-4C3B-AD32-4C0CA29A212A}" presName="childText" presStyleLbl="conFgAcc1" presStyleIdx="1" presStyleCnt="4">
         <dgm:presLayoutVars>
           <dgm:bulletEnabled val="1"/>
         </dgm:presLayoutVars>
       </dgm:prSet>
       <dgm:spPr/>
+      <dgm:t>
+        <a:bodyPr/>
+        <a:lstStyle/>
+        <a:p>
+          <a:endParaRPr lang="en-US"/>
+        </a:p>
+      </dgm:t>
     </dgm:pt>
     <dgm:pt modelId="{B4D542C7-53C4-40BC-8243-9103CBB3FC3F}" type="pres">
       <dgm:prSet presAssocID="{BC064742-7033-4EAD-901B-631990C12A00}" presName="spaceBetweenRectangles" presStyleCnt="0"/>
@@ -1394,11 +1783,18 @@
       <dgm:spPr/>
     </dgm:pt>
     <dgm:pt modelId="{93BC6D9D-1401-413B-BEBB-5F4FF77CEADF}" type="pres">
-      <dgm:prSet presAssocID="{DB90EB38-D9C4-400E-9051-0265E8A28934}" presName="parentLeftMargin" presStyleLbl="node1" presStyleIdx="1" presStyleCnt="3"/>
+      <dgm:prSet presAssocID="{DB90EB38-D9C4-400E-9051-0265E8A28934}" presName="parentLeftMargin" presStyleLbl="node1" presStyleIdx="1" presStyleCnt="4"/>
       <dgm:spPr/>
+      <dgm:t>
+        <a:bodyPr/>
+        <a:lstStyle/>
+        <a:p>
+          <a:endParaRPr lang="en-US"/>
+        </a:p>
+      </dgm:t>
     </dgm:pt>
     <dgm:pt modelId="{A414A348-CDA7-41FF-A3DC-FDE2157D9BCB}" type="pres">
-      <dgm:prSet presAssocID="{DB90EB38-D9C4-400E-9051-0265E8A28934}" presName="parentText" presStyleLbl="node1" presStyleIdx="2" presStyleCnt="3">
+      <dgm:prSet presAssocID="{DB90EB38-D9C4-400E-9051-0265E8A28934}" presName="parentText" presStyleLbl="node1" presStyleIdx="2" presStyleCnt="4">
         <dgm:presLayoutVars>
           <dgm:chMax val="0"/>
           <dgm:bulletEnabled val="1"/>
@@ -1418,32 +1814,112 @@
       <dgm:spPr/>
     </dgm:pt>
     <dgm:pt modelId="{2D50D6F6-D45C-434F-B4FD-F7EEEBB3D0E6}" type="pres">
-      <dgm:prSet presAssocID="{DB90EB38-D9C4-400E-9051-0265E8A28934}" presName="childText" presStyleLbl="conFgAcc1" presStyleIdx="2" presStyleCnt="3">
+      <dgm:prSet presAssocID="{DB90EB38-D9C4-400E-9051-0265E8A28934}" presName="childText" presStyleLbl="conFgAcc1" presStyleIdx="2" presStyleCnt="4">
         <dgm:presLayoutVars>
           <dgm:bulletEnabled val="1"/>
         </dgm:presLayoutVars>
       </dgm:prSet>
       <dgm:spPr/>
+      <dgm:t>
+        <a:bodyPr/>
+        <a:lstStyle/>
+        <a:p>
+          <a:endParaRPr lang="en-US"/>
+        </a:p>
+      </dgm:t>
+    </dgm:pt>
+    <dgm:pt modelId="{A9F3C1F5-DD2B-4633-B3EF-D1E741E253A6}" type="pres">
+      <dgm:prSet presAssocID="{B9A7D93F-C1EA-428F-ADD6-12C52404ABEC}" presName="spaceBetweenRectangles" presStyleCnt="0"/>
+      <dgm:spPr/>
+    </dgm:pt>
+    <dgm:pt modelId="{0B0AD850-119D-4789-A2A7-292AF99E371E}" type="pres">
+      <dgm:prSet presAssocID="{03292351-BA20-4242-A909-FC6FD069DF99}" presName="parentLin" presStyleCnt="0"/>
+      <dgm:spPr/>
+    </dgm:pt>
+    <dgm:pt modelId="{D7C977B8-F5F4-4C4A-BE72-1535C1E4952F}" type="pres">
+      <dgm:prSet presAssocID="{03292351-BA20-4242-A909-FC6FD069DF99}" presName="parentLeftMargin" presStyleLbl="node1" presStyleIdx="2" presStyleCnt="4"/>
+      <dgm:spPr/>
+      <dgm:t>
+        <a:bodyPr/>
+        <a:lstStyle/>
+        <a:p>
+          <a:endParaRPr lang="en-US"/>
+        </a:p>
+      </dgm:t>
+    </dgm:pt>
+    <dgm:pt modelId="{FE0A26DD-C5A2-43C1-9715-13BAD5CF0CBE}" type="pres">
+      <dgm:prSet presAssocID="{03292351-BA20-4242-A909-FC6FD069DF99}" presName="parentText" presStyleLbl="node1" presStyleIdx="3" presStyleCnt="4">
+        <dgm:presLayoutVars>
+          <dgm:chMax val="0"/>
+          <dgm:bulletEnabled val="1"/>
+        </dgm:presLayoutVars>
+      </dgm:prSet>
+      <dgm:spPr/>
+      <dgm:t>
+        <a:bodyPr/>
+        <a:lstStyle/>
+        <a:p>
+          <a:endParaRPr lang="en-US"/>
+        </a:p>
+      </dgm:t>
+    </dgm:pt>
+    <dgm:pt modelId="{76EDA627-2A1C-4B5A-9B97-2E36F5D9AF37}" type="pres">
+      <dgm:prSet presAssocID="{03292351-BA20-4242-A909-FC6FD069DF99}" presName="negativeSpace" presStyleCnt="0"/>
+      <dgm:spPr/>
+    </dgm:pt>
+    <dgm:pt modelId="{F0AF03FD-7C24-4393-9342-DAE729543B66}" type="pres">
+      <dgm:prSet presAssocID="{03292351-BA20-4242-A909-FC6FD069DF99}" presName="childText" presStyleLbl="conFgAcc1" presStyleIdx="3" presStyleCnt="4">
+        <dgm:presLayoutVars>
+          <dgm:bulletEnabled val="1"/>
+        </dgm:presLayoutVars>
+      </dgm:prSet>
+      <dgm:spPr/>
+      <dgm:t>
+        <a:bodyPr/>
+        <a:lstStyle/>
+        <a:p>
+          <a:endParaRPr lang="en-US"/>
+        </a:p>
+      </dgm:t>
     </dgm:pt>
   </dgm:ptLst>
   <dgm:cxnLst>
+    <dgm:cxn modelId="{E9AD0B7A-EC35-4D97-941A-C7E0E1754197}" srcId="{9275A3F9-724D-4C3B-AD32-4C0CA29A212A}" destId="{860AF616-77DB-4B6C-BEF9-0C2E50B8182B}" srcOrd="4" destOrd="0" parTransId="{36188AB8-ECDA-4857-8782-68B58D858438}" sibTransId="{16B69289-1CB0-488B-BF24-D5F208BA5AC5}"/>
+    <dgm:cxn modelId="{6E4999AE-38EA-4A10-B7B1-39A0A4E1DE24}" srcId="{C6E33E3B-4A34-4867-B930-55E192878CB0}" destId="{D8BEA258-909F-492F-892C-57351263A4C1}" srcOrd="2" destOrd="0" parTransId="{0185E038-8289-42FF-B55C-E68598F55234}" sibTransId="{108992B0-A31E-4F71-9787-129C269C9B90}"/>
+    <dgm:cxn modelId="{1A1B8170-D663-4A95-A5EC-C51E27598036}" type="presOf" srcId="{860AF616-77DB-4B6C-BEF9-0C2E50B8182B}" destId="{904B8CB1-8C8B-40AF-B953-D228748C4D2E}" srcOrd="0" destOrd="4" presId="urn:microsoft.com/office/officeart/2005/8/layout/list1"/>
+    <dgm:cxn modelId="{BCF9B5F2-EAA1-4DD0-8183-E303CC094F82}" type="presOf" srcId="{DB90EB38-D9C4-400E-9051-0265E8A28934}" destId="{A414A348-CDA7-41FF-A3DC-FDE2157D9BCB}" srcOrd="1" destOrd="0" presId="urn:microsoft.com/office/officeart/2005/8/layout/list1"/>
+    <dgm:cxn modelId="{44A04D54-47F6-4A40-8F4B-6E6FD8713FD9}" type="presOf" srcId="{E4E65F8C-A356-4622-91E6-733B2D302BF8}" destId="{904B8CB1-8C8B-40AF-B953-D228748C4D2E}" srcOrd="0" destOrd="1" presId="urn:microsoft.com/office/officeart/2005/8/layout/list1"/>
+    <dgm:cxn modelId="{FE2C142F-5CE1-43E5-B85D-BECCC7D47E08}" srcId="{9275A3F9-724D-4C3B-AD32-4C0CA29A212A}" destId="{E4E65F8C-A356-4622-91E6-733B2D302BF8}" srcOrd="1" destOrd="0" parTransId="{E28AE0D5-5B90-4ED2-8472-B80EADABD49B}" sibTransId="{550DE831-782C-4453-BE54-D8A2986F998A}"/>
     <dgm:cxn modelId="{F4C55C3A-7E68-47D7-916C-8266D7A9743B}" type="presOf" srcId="{D8BEA258-909F-492F-892C-57351263A4C1}" destId="{B135836A-5259-4053-8883-2CEDCB53BFBC}" srcOrd="0" destOrd="2" presId="urn:microsoft.com/office/officeart/2005/8/layout/list1"/>
+    <dgm:cxn modelId="{A1B476BA-F268-4EB3-9AC3-F9734982C0A2}" srcId="{DB90EB38-D9C4-400E-9051-0265E8A28934}" destId="{4219EA2B-9139-43D1-94E9-4BB7D30D962A}" srcOrd="0" destOrd="0" parTransId="{8289E78E-4F78-49BC-A390-599DE843D3EC}" sibTransId="{A6D59B80-2003-4DFF-91CD-7264D614946B}"/>
+    <dgm:cxn modelId="{C5C6B0A6-F828-490F-A2A4-348E66057FC0}" type="presOf" srcId="{DB90EB38-D9C4-400E-9051-0265E8A28934}" destId="{93BC6D9D-1401-413B-BEBB-5F4FF77CEADF}" srcOrd="0" destOrd="0" presId="urn:microsoft.com/office/officeart/2005/8/layout/list1"/>
+    <dgm:cxn modelId="{B08A7300-5420-4B3F-AB7B-B9EA4A1B2CDA}" type="presOf" srcId="{56C6956C-A08C-4B26-BB21-BFE264F004A8}" destId="{F0AF03FD-7C24-4393-9342-DAE729543B66}" srcOrd="0" destOrd="0" presId="urn:microsoft.com/office/officeart/2005/8/layout/list1"/>
+    <dgm:cxn modelId="{8AF80A01-83C4-4ACD-884B-262D9B9A1392}" srcId="{0F1124F1-BB4A-407B-891B-BB9B9DC77E71}" destId="{03292351-BA20-4242-A909-FC6FD069DF99}" srcOrd="3" destOrd="0" parTransId="{FBDCBBF3-159D-4167-BA1A-547549DE8325}" sibTransId="{F944F270-7716-457D-BE28-A2F1C4CF0772}"/>
+    <dgm:cxn modelId="{3E32D02B-9E77-435F-9CBF-AC0D7524FA68}" type="presOf" srcId="{320800BE-DE8B-4174-82AF-3AA344187A85}" destId="{B135836A-5259-4053-8883-2CEDCB53BFBC}" srcOrd="0" destOrd="0" presId="urn:microsoft.com/office/officeart/2005/8/layout/list1"/>
+    <dgm:cxn modelId="{54FAF91D-7301-4C2A-9198-51936A3F2866}" srcId="{9275A3F9-724D-4C3B-AD32-4C0CA29A212A}" destId="{4E958641-EF01-45A6-8504-29227A8D173C}" srcOrd="3" destOrd="0" parTransId="{7FAB8E2A-84C1-4D97-BD44-003233F2C4D0}" sibTransId="{40604F42-14D6-48EC-8B00-D88F5DF74404}"/>
+    <dgm:cxn modelId="{D3A9C1D6-9F6F-4B5E-B624-C0F196A429EB}" srcId="{0F1124F1-BB4A-407B-891B-BB9B9DC77E71}" destId="{C6E33E3B-4A34-4867-B930-55E192878CB0}" srcOrd="0" destOrd="0" parTransId="{E54F3B08-85D9-49EE-B4E9-4A3FE534E280}" sibTransId="{7561114D-7A88-4C62-BC4D-BC099F31C22D}"/>
+    <dgm:cxn modelId="{F0503ACB-14AE-4660-8053-4B59D24839D9}" type="presOf" srcId="{136F2A81-73A2-46C4-AE82-023DF0471795}" destId="{904B8CB1-8C8B-40AF-B953-D228748C4D2E}" srcOrd="0" destOrd="0" presId="urn:microsoft.com/office/officeart/2005/8/layout/list1"/>
+    <dgm:cxn modelId="{C9C8BE34-4B84-4B4E-9CF5-FA8A2722A4F1}" type="presOf" srcId="{8A6C606E-9CA3-4B88-8AC5-9D63F22CFB58}" destId="{B135836A-5259-4053-8883-2CEDCB53BFBC}" srcOrd="0" destOrd="3" presId="urn:microsoft.com/office/officeart/2005/8/layout/list1"/>
+    <dgm:cxn modelId="{B6159B95-1F6E-45CC-A07E-92360AB2611B}" type="presOf" srcId="{03292351-BA20-4242-A909-FC6FD069DF99}" destId="{D7C977B8-F5F4-4C4A-BE72-1535C1E4952F}" srcOrd="0" destOrd="0" presId="urn:microsoft.com/office/officeart/2005/8/layout/list1"/>
+    <dgm:cxn modelId="{D3845128-78F6-4150-9CB2-FD8AC48C4270}" type="presOf" srcId="{16775495-15DF-4DE0-BA86-B53AB833B24E}" destId="{B135836A-5259-4053-8883-2CEDCB53BFBC}" srcOrd="0" destOrd="4" presId="urn:microsoft.com/office/officeart/2005/8/layout/list1"/>
+    <dgm:cxn modelId="{6A099B7B-89E9-4FA9-8C44-90867E221DE1}" srcId="{03292351-BA20-4242-A909-FC6FD069DF99}" destId="{56C6956C-A08C-4B26-BB21-BFE264F004A8}" srcOrd="0" destOrd="0" parTransId="{4FA4C01D-B94D-4B78-BCB4-F437AC543D59}" sibTransId="{69F96DA1-659F-4668-A7FC-DDE0CCEF8F0B}"/>
+    <dgm:cxn modelId="{9122A960-C448-4F9E-AD25-05E01DFE1D06}" type="presOf" srcId="{4E958641-EF01-45A6-8504-29227A8D173C}" destId="{904B8CB1-8C8B-40AF-B953-D228748C4D2E}" srcOrd="0" destOrd="3" presId="urn:microsoft.com/office/officeart/2005/8/layout/list1"/>
     <dgm:cxn modelId="{FFD7F8D7-32AC-4D67-BE24-67A52426AF5C}" type="presOf" srcId="{0F1124F1-BB4A-407B-891B-BB9B9DC77E71}" destId="{DA5481D8-49F6-4363-B6D3-B19616BC798F}" srcOrd="0" destOrd="0" presId="urn:microsoft.com/office/officeart/2005/8/layout/list1"/>
+    <dgm:cxn modelId="{FC6DEBC9-E171-431B-9741-D4105C71BCB2}" srcId="{C6E33E3B-4A34-4867-B930-55E192878CB0}" destId="{16775495-15DF-4DE0-BA86-B53AB833B24E}" srcOrd="4" destOrd="0" parTransId="{FFDDA656-9A32-4AD5-93DE-C26F25AE7134}" sibTransId="{210B81D2-1B02-466B-8CCA-F9F93C574CFD}"/>
+    <dgm:cxn modelId="{FB6B6EF4-3062-478F-8592-71C17A394725}" type="presOf" srcId="{C6E33E3B-4A34-4867-B930-55E192878CB0}" destId="{9D328815-686E-4587-8A37-16ECD0204B6B}" srcOrd="1" destOrd="0" presId="urn:microsoft.com/office/officeart/2005/8/layout/list1"/>
+    <dgm:cxn modelId="{517EB715-AC48-4DEF-9694-F8FE387A4992}" srcId="{C6E33E3B-4A34-4867-B930-55E192878CB0}" destId="{102ED6D0-D3D7-4A70-ABC1-87AA013FE6F8}" srcOrd="1" destOrd="0" parTransId="{E4547D3E-10D7-4FBB-9041-15E73D9797FA}" sibTransId="{6D445C06-4CA6-4B90-B0DF-9DE706401D4B}"/>
+    <dgm:cxn modelId="{0EE1A537-824F-44FD-9B2C-9921BFE3C790}" type="presOf" srcId="{03292351-BA20-4242-A909-FC6FD069DF99}" destId="{FE0A26DD-C5A2-43C1-9715-13BAD5CF0CBE}" srcOrd="1" destOrd="0" presId="urn:microsoft.com/office/officeart/2005/8/layout/list1"/>
+    <dgm:cxn modelId="{9D05D1BC-7EEA-42EB-8B37-661681E7CCE8}" srcId="{C6E33E3B-4A34-4867-B930-55E192878CB0}" destId="{320800BE-DE8B-4174-82AF-3AA344187A85}" srcOrd="0" destOrd="0" parTransId="{027C7FEF-D9D0-4B95-A150-12830DDA86E7}" sibTransId="{CD80068F-E394-4D48-8C27-96365A013D3F}"/>
+    <dgm:cxn modelId="{9A79C5F6-D476-49CF-AC68-F4CA14CE399E}" type="presOf" srcId="{8D240DDA-76AC-4909-AD28-24F963EE01A7}" destId="{904B8CB1-8C8B-40AF-B953-D228748C4D2E}" srcOrd="0" destOrd="2" presId="urn:microsoft.com/office/officeart/2005/8/layout/list1"/>
     <dgm:cxn modelId="{B0DC602B-883B-4C10-AAB3-11A50C0B3BF0}" type="presOf" srcId="{9275A3F9-724D-4C3B-AD32-4C0CA29A212A}" destId="{88425A1B-CE82-4A74-86D7-DFF3A0D39D54}" srcOrd="1" destOrd="0" presId="urn:microsoft.com/office/officeart/2005/8/layout/list1"/>
-    <dgm:cxn modelId="{6E4999AE-38EA-4A10-B7B1-39A0A4E1DE24}" srcId="{C6E33E3B-4A34-4867-B930-55E192878CB0}" destId="{D8BEA258-909F-492F-892C-57351263A4C1}" srcOrd="2" destOrd="0" parTransId="{0185E038-8289-42FF-B55C-E68598F55234}" sibTransId="{108992B0-A31E-4F71-9787-129C269C9B90}"/>
+    <dgm:cxn modelId="{C6268A3F-5018-4073-A6A8-B2D975DEAB74}" type="presOf" srcId="{9275A3F9-724D-4C3B-AD32-4C0CA29A212A}" destId="{F0653103-C18F-4A7C-B56E-39FBA5C9171B}" srcOrd="0" destOrd="0" presId="urn:microsoft.com/office/officeart/2005/8/layout/list1"/>
     <dgm:cxn modelId="{EFAFFBE1-D733-4E6E-8FDB-D3B33D0C93BA}" srcId="{0F1124F1-BB4A-407B-891B-BB9B9DC77E71}" destId="{DB90EB38-D9C4-400E-9051-0265E8A28934}" srcOrd="2" destOrd="0" parTransId="{1587E684-8DAE-4A75-8C18-2E6D4B5675B8}" sibTransId="{B9A7D93F-C1EA-428F-ADD6-12C52404ABEC}"/>
-    <dgm:cxn modelId="{BCF9B5F2-EAA1-4DD0-8183-E303CC094F82}" type="presOf" srcId="{DB90EB38-D9C4-400E-9051-0265E8A28934}" destId="{A414A348-CDA7-41FF-A3DC-FDE2157D9BCB}" srcOrd="1" destOrd="0" presId="urn:microsoft.com/office/officeart/2005/8/layout/list1"/>
-    <dgm:cxn modelId="{C5C6B0A6-F828-490F-A2A4-348E66057FC0}" type="presOf" srcId="{DB90EB38-D9C4-400E-9051-0265E8A28934}" destId="{93BC6D9D-1401-413B-BEBB-5F4FF77CEADF}" srcOrd="0" destOrd="0" presId="urn:microsoft.com/office/officeart/2005/8/layout/list1"/>
-    <dgm:cxn modelId="{3E32D02B-9E77-435F-9CBF-AC0D7524FA68}" type="presOf" srcId="{320800BE-DE8B-4174-82AF-3AA344187A85}" destId="{B135836A-5259-4053-8883-2CEDCB53BFBC}" srcOrd="0" destOrd="0" presId="urn:microsoft.com/office/officeart/2005/8/layout/list1"/>
-    <dgm:cxn modelId="{D3A9C1D6-9F6F-4B5E-B624-C0F196A429EB}" srcId="{0F1124F1-BB4A-407B-891B-BB9B9DC77E71}" destId="{C6E33E3B-4A34-4867-B930-55E192878CB0}" srcOrd="0" destOrd="0" parTransId="{E54F3B08-85D9-49EE-B4E9-4A3FE534E280}" sibTransId="{7561114D-7A88-4C62-BC4D-BC099F31C22D}"/>
-    <dgm:cxn modelId="{C9C8BE34-4B84-4B4E-9CF5-FA8A2722A4F1}" type="presOf" srcId="{8A6C606E-9CA3-4B88-8AC5-9D63F22CFB58}" destId="{B135836A-5259-4053-8883-2CEDCB53BFBC}" srcOrd="0" destOrd="3" presId="urn:microsoft.com/office/officeart/2005/8/layout/list1"/>
-    <dgm:cxn modelId="{517EB715-AC48-4DEF-9694-F8FE387A4992}" srcId="{C6E33E3B-4A34-4867-B930-55E192878CB0}" destId="{102ED6D0-D3D7-4A70-ABC1-87AA013FE6F8}" srcOrd="1" destOrd="0" parTransId="{E4547D3E-10D7-4FBB-9041-15E73D9797FA}" sibTransId="{6D445C06-4CA6-4B90-B0DF-9DE706401D4B}"/>
-    <dgm:cxn modelId="{C6268A3F-5018-4073-A6A8-B2D975DEAB74}" type="presOf" srcId="{9275A3F9-724D-4C3B-AD32-4C0CA29A212A}" destId="{F0653103-C18F-4A7C-B56E-39FBA5C9171B}" srcOrd="0" destOrd="0" presId="urn:microsoft.com/office/officeart/2005/8/layout/list1"/>
+    <dgm:cxn modelId="{0470F904-8937-45CF-9E23-5B6E36107E32}" srcId="{9275A3F9-724D-4C3B-AD32-4C0CA29A212A}" destId="{136F2A81-73A2-46C4-AE82-023DF0471795}" srcOrd="0" destOrd="0" parTransId="{C89E93A3-4C6B-4C0A-9BA8-3772F9168C20}" sibTransId="{94881302-6D45-4447-8A6D-88BCB3AFD23F}"/>
     <dgm:cxn modelId="{E0963758-ABE9-4160-A487-C532F8A7EB16}" type="presOf" srcId="{C6E33E3B-4A34-4867-B930-55E192878CB0}" destId="{22D2004A-930F-459D-888D-A563C6307FA0}" srcOrd="0" destOrd="0" presId="urn:microsoft.com/office/officeart/2005/8/layout/list1"/>
     <dgm:cxn modelId="{32F56E94-C632-40FE-BCF3-CFA58933E19E}" srcId="{0F1124F1-BB4A-407B-891B-BB9B9DC77E71}" destId="{9275A3F9-724D-4C3B-AD32-4C0CA29A212A}" srcOrd="1" destOrd="0" parTransId="{FEE885A8-52A1-4830-BFD9-4A36FE0873D5}" sibTransId="{BC064742-7033-4EAD-901B-631990C12A00}"/>
-    <dgm:cxn modelId="{FB6B6EF4-3062-478F-8592-71C17A394725}" type="presOf" srcId="{C6E33E3B-4A34-4867-B930-55E192878CB0}" destId="{9D328815-686E-4587-8A37-16ECD0204B6B}" srcOrd="1" destOrd="0" presId="urn:microsoft.com/office/officeart/2005/8/layout/list1"/>
-    <dgm:cxn modelId="{9D05D1BC-7EEA-42EB-8B37-661681E7CCE8}" srcId="{C6E33E3B-4A34-4867-B930-55E192878CB0}" destId="{320800BE-DE8B-4174-82AF-3AA344187A85}" srcOrd="0" destOrd="0" parTransId="{027C7FEF-D9D0-4B95-A150-12830DDA86E7}" sibTransId="{CD80068F-E394-4D48-8C27-96365A013D3F}"/>
     <dgm:cxn modelId="{126AE502-60B8-44FB-A0DE-4A4F54AA261B}" srcId="{C6E33E3B-4A34-4867-B930-55E192878CB0}" destId="{8A6C606E-9CA3-4B88-8AC5-9D63F22CFB58}" srcOrd="3" destOrd="0" parTransId="{AE70F826-BC19-4D6C-B9C2-5BE865AA76CC}" sibTransId="{91CEBE97-8A27-4D2C-88E4-00752E7D4898}"/>
+    <dgm:cxn modelId="{AD625BA6-B502-4D1A-BEBC-D7A103349F95}" srcId="{9275A3F9-724D-4C3B-AD32-4C0CA29A212A}" destId="{8D240DDA-76AC-4909-AD28-24F963EE01A7}" srcOrd="2" destOrd="0" parTransId="{117C77AF-F5F4-44E5-AC93-1E267DA3FDC9}" sibTransId="{04D7AE0F-B739-4344-9C14-F7B68299988F}"/>
+    <dgm:cxn modelId="{1A6D1FA4-B99E-4C25-9C79-74DA4422F194}" type="presOf" srcId="{4219EA2B-9139-43D1-94E9-4BB7D30D962A}" destId="{2D50D6F6-D45C-434F-B4FD-F7EEEBB3D0E6}" srcOrd="0" destOrd="0" presId="urn:microsoft.com/office/officeart/2005/8/layout/list1"/>
     <dgm:cxn modelId="{EE93FA8A-DCA3-42A9-A3B4-37CBD5231133}" type="presOf" srcId="{102ED6D0-D3D7-4A70-ABC1-87AA013FE6F8}" destId="{B135836A-5259-4053-8883-2CEDCB53BFBC}" srcOrd="0" destOrd="1" presId="urn:microsoft.com/office/officeart/2005/8/layout/list1"/>
     <dgm:cxn modelId="{C556E302-12B3-42E7-B0CE-71EA09413DDB}" type="presParOf" srcId="{DA5481D8-49F6-4363-B6D3-B19616BC798F}" destId="{842C0200-8685-47CC-9B7F-3A4DCB136FBD}" srcOrd="0" destOrd="0" presId="urn:microsoft.com/office/officeart/2005/8/layout/list1"/>
     <dgm:cxn modelId="{380F3E4B-15ED-4E4D-AFC9-E7F22C056097}" type="presParOf" srcId="{842C0200-8685-47CC-9B7F-3A4DCB136FBD}" destId="{22D2004A-930F-459D-888D-A563C6307FA0}" srcOrd="0" destOrd="0" presId="urn:microsoft.com/office/officeart/2005/8/layout/list1"/>
@@ -1462,6 +1938,12 @@
     <dgm:cxn modelId="{8B75B9DB-B092-4A17-8876-79D7090658F1}" type="presParOf" srcId="{387EFB43-6952-41AD-B17A-CD7EE3F6F960}" destId="{A414A348-CDA7-41FF-A3DC-FDE2157D9BCB}" srcOrd="1" destOrd="0" presId="urn:microsoft.com/office/officeart/2005/8/layout/list1"/>
     <dgm:cxn modelId="{DA7C4493-57EA-44AF-83C6-CC8BACA34211}" type="presParOf" srcId="{DA5481D8-49F6-4363-B6D3-B19616BC798F}" destId="{E486A842-C5CE-436D-A7C8-7946C21A80B1}" srcOrd="9" destOrd="0" presId="urn:microsoft.com/office/officeart/2005/8/layout/list1"/>
     <dgm:cxn modelId="{AFCF9AC0-90BC-4970-AAC3-4C055866C851}" type="presParOf" srcId="{DA5481D8-49F6-4363-B6D3-B19616BC798F}" destId="{2D50D6F6-D45C-434F-B4FD-F7EEEBB3D0E6}" srcOrd="10" destOrd="0" presId="urn:microsoft.com/office/officeart/2005/8/layout/list1"/>
+    <dgm:cxn modelId="{43BC84EE-F8FE-44EF-A286-463D255D0D14}" type="presParOf" srcId="{DA5481D8-49F6-4363-B6D3-B19616BC798F}" destId="{A9F3C1F5-DD2B-4633-B3EF-D1E741E253A6}" srcOrd="11" destOrd="0" presId="urn:microsoft.com/office/officeart/2005/8/layout/list1"/>
+    <dgm:cxn modelId="{27D63DD4-25B3-42DC-BF94-98022B4162E4}" type="presParOf" srcId="{DA5481D8-49F6-4363-B6D3-B19616BC798F}" destId="{0B0AD850-119D-4789-A2A7-292AF99E371E}" srcOrd="12" destOrd="0" presId="urn:microsoft.com/office/officeart/2005/8/layout/list1"/>
+    <dgm:cxn modelId="{16F1EF46-B222-44EE-81CF-070C38BD532E}" type="presParOf" srcId="{0B0AD850-119D-4789-A2A7-292AF99E371E}" destId="{D7C977B8-F5F4-4C4A-BE72-1535C1E4952F}" srcOrd="0" destOrd="0" presId="urn:microsoft.com/office/officeart/2005/8/layout/list1"/>
+    <dgm:cxn modelId="{9CC84E48-3D62-4F76-8F02-7329171710C3}" type="presParOf" srcId="{0B0AD850-119D-4789-A2A7-292AF99E371E}" destId="{FE0A26DD-C5A2-43C1-9715-13BAD5CF0CBE}" srcOrd="1" destOrd="0" presId="urn:microsoft.com/office/officeart/2005/8/layout/list1"/>
+    <dgm:cxn modelId="{1938C81D-EA40-45CB-936E-C607B6BFBF0C}" type="presParOf" srcId="{DA5481D8-49F6-4363-B6D3-B19616BC798F}" destId="{76EDA627-2A1C-4B5A-9B97-2E36F5D9AF37}" srcOrd="13" destOrd="0" presId="urn:microsoft.com/office/officeart/2005/8/layout/list1"/>
+    <dgm:cxn modelId="{CA0411C3-C25B-4FBD-A83B-6ABC5FDC975C}" type="presParOf" srcId="{DA5481D8-49F6-4363-B6D3-B19616BC798F}" destId="{F0AF03FD-7C24-4393-9342-DAE729543B66}" srcOrd="14" destOrd="0" presId="urn:microsoft.com/office/officeart/2005/8/layout/list1"/>
   </dgm:cxnLst>
   <dgm:bg/>
   <dgm:whole/>
@@ -1488,8 +1970,8 @@
       </dsp:nvSpPr>
       <dsp:spPr>
         <a:xfrm>
-          <a:off x="0" y="421083"/>
-          <a:ext cx="8128000" cy="2677500"/>
+          <a:off x="0" y="235961"/>
+          <a:ext cx="8128000" cy="1606500"/>
         </a:xfrm>
         <a:prstGeom prst="rect">
           <a:avLst/>
@@ -1533,12 +2015,12 @@
         <a:fontRef idx="minor"/>
       </dsp:style>
       <dsp:txBody>
-        <a:bodyPr spcFirstLastPara="0" vert="horz" wrap="square" lIns="630823" tIns="520700" rIns="630823" bIns="177800" numCol="1" spcCol="1270" anchor="t" anchorCtr="0">
+        <a:bodyPr spcFirstLastPara="0" vert="horz" wrap="square" lIns="630823" tIns="312420" rIns="630823" bIns="106680" numCol="1" spcCol="1270" anchor="t" anchorCtr="0">
           <a:noAutofit/>
         </a:bodyPr>
         <a:lstStyle/>
         <a:p>
-          <a:pPr marL="228600" lvl="1" indent="-228600" algn="l" defTabSz="1111250">
+          <a:pPr marL="114300" lvl="1" indent="-114300" algn="l" defTabSz="666750">
             <a:lnSpc>
               <a:spcPct val="90000"/>
             </a:lnSpc>
@@ -1551,13 +2033,13 @@
             <a:buChar char="••"/>
           </a:pPr>
           <a:r>
-            <a:rPr lang="en-US" sz="2500" kern="1200" dirty="0" smtClean="0"/>
+            <a:rPr lang="en-US" sz="1500" kern="1200" dirty="0" smtClean="0"/>
             <a:t>Reading JSON files into R objects. </a:t>
           </a:r>
-          <a:endParaRPr lang="en-US" sz="2500" kern="1200" dirty="0"/>
+          <a:endParaRPr lang="en-US" sz="1500" kern="1200" dirty="0"/>
         </a:p>
         <a:p>
-          <a:pPr marL="228600" lvl="1" indent="-228600" algn="l" defTabSz="1111250">
+          <a:pPr marL="114300" lvl="1" indent="-114300" algn="l" defTabSz="666750">
             <a:lnSpc>
               <a:spcPct val="90000"/>
             </a:lnSpc>
@@ -1570,13 +2052,13 @@
             <a:buChar char="••"/>
           </a:pPr>
           <a:r>
-            <a:rPr lang="en-US" sz="2500" kern="1200" dirty="0" smtClean="0"/>
+            <a:rPr lang="en-US" sz="1500" kern="1200" dirty="0" smtClean="0"/>
             <a:t>Persist R Objects to files for later loading</a:t>
           </a:r>
-          <a:endParaRPr lang="en-US" sz="2500" kern="1200" dirty="0"/>
+          <a:endParaRPr lang="en-US" sz="1500" kern="1200" dirty="0"/>
         </a:p>
         <a:p>
-          <a:pPr marL="228600" lvl="1" indent="-228600" algn="l" defTabSz="1111250">
+          <a:pPr marL="114300" lvl="1" indent="-114300" algn="l" defTabSz="666750">
             <a:lnSpc>
               <a:spcPct val="90000"/>
             </a:lnSpc>
@@ -1589,13 +2071,13 @@
             <a:buChar char="••"/>
           </a:pPr>
           <a:r>
-            <a:rPr lang="en-US" sz="2500" kern="1200" dirty="0" smtClean="0"/>
-            <a:t>Persist business R Object to database</a:t>
+            <a:rPr lang="en-US" sz="1500" kern="1200" dirty="0" smtClean="0"/>
+            <a:t>Persist business R Objects to database (optional)</a:t>
           </a:r>
-          <a:endParaRPr lang="en-US" sz="2500" kern="1200" dirty="0"/>
+          <a:endParaRPr lang="en-US" sz="1500" kern="1200" dirty="0"/>
         </a:p>
         <a:p>
-          <a:pPr marL="228600" lvl="1" indent="-228600" algn="l" defTabSz="1111250">
+          <a:pPr marL="114300" lvl="1" indent="-114300" algn="l" defTabSz="666750">
             <a:lnSpc>
               <a:spcPct val="90000"/>
             </a:lnSpc>
@@ -1608,15 +2090,34 @@
             <a:buChar char="••"/>
           </a:pPr>
           <a:r>
-            <a:rPr lang="en-US" sz="2500" kern="1200" dirty="0" smtClean="0"/>
+            <a:rPr lang="en-US" sz="1500" kern="1200" dirty="0" smtClean="0"/>
             <a:t>Merging business and review for selected business and states</a:t>
           </a:r>
-          <a:endParaRPr lang="en-US" sz="2500" kern="1200" dirty="0"/>
+          <a:endParaRPr lang="en-US" sz="1500" kern="1200" dirty="0"/>
+        </a:p>
+        <a:p>
+          <a:pPr marL="114300" lvl="1" indent="-114300" algn="l" defTabSz="666750">
+            <a:lnSpc>
+              <a:spcPct val="90000"/>
+            </a:lnSpc>
+            <a:spcBef>
+              <a:spcPct val="0"/>
+            </a:spcBef>
+            <a:spcAft>
+              <a:spcPct val="15000"/>
+            </a:spcAft>
+            <a:buChar char="••"/>
+          </a:pPr>
+          <a:r>
+            <a:rPr lang="en-US" sz="1500" kern="1200" dirty="0" smtClean="0"/>
+            <a:t>Persist the merged result to a table in an RDBMS for use and query later</a:t>
+          </a:r>
+          <a:endParaRPr lang="en-US" sz="1500" kern="1200" dirty="0"/>
         </a:p>
       </dsp:txBody>
       <dsp:txXfrm>
-        <a:off x="0" y="421083"/>
-        <a:ext cx="8128000" cy="2677500"/>
+        <a:off x="0" y="235961"/>
+        <a:ext cx="8128000" cy="1606500"/>
       </dsp:txXfrm>
     </dsp:sp>
     <dsp:sp modelId="{9D328815-686E-4587-8A37-16ECD0204B6B}">
@@ -1626,8 +2127,8 @@
       </dsp:nvSpPr>
       <dsp:spPr>
         <a:xfrm>
-          <a:off x="406400" y="52083"/>
-          <a:ext cx="5689600" cy="738000"/>
+          <a:off x="406400" y="14561"/>
+          <a:ext cx="5689600" cy="442800"/>
         </a:xfrm>
         <a:prstGeom prst="roundRect">
           <a:avLst/>
@@ -1677,7 +2178,7 @@
         </a:bodyPr>
         <a:lstStyle/>
         <a:p>
-          <a:pPr lvl="0" algn="l" defTabSz="1111250">
+          <a:pPr lvl="0" algn="l" defTabSz="666750">
             <a:lnSpc>
               <a:spcPct val="90000"/>
             </a:lnSpc>
@@ -1689,15 +2190,15 @@
             </a:spcAft>
           </a:pPr>
           <a:r>
-            <a:rPr lang="en-US" sz="2500" kern="1200" dirty="0" smtClean="0"/>
+            <a:rPr lang="en-US" sz="1500" kern="1200" dirty="0" smtClean="0"/>
             <a:t>Getting, cleaning, and preparing data</a:t>
           </a:r>
-          <a:endParaRPr lang="en-US" sz="2500" kern="1200" dirty="0"/>
+          <a:endParaRPr lang="en-US" sz="1500" kern="1200" dirty="0"/>
         </a:p>
       </dsp:txBody>
       <dsp:txXfrm>
-        <a:off x="442426" y="88109"/>
-        <a:ext cx="5617548" cy="665948"/>
+        <a:off x="428016" y="36177"/>
+        <a:ext cx="5646368" cy="399568"/>
       </dsp:txXfrm>
     </dsp:sp>
     <dsp:sp modelId="{904B8CB1-8C8B-40AF-B953-D228748C4D2E}">
@@ -1707,8 +2208,8 @@
       </dsp:nvSpPr>
       <dsp:spPr>
         <a:xfrm>
-          <a:off x="0" y="3602583"/>
-          <a:ext cx="8128000" cy="630000"/>
+          <a:off x="0" y="2144861"/>
+          <a:ext cx="8128000" cy="1842750"/>
         </a:xfrm>
         <a:prstGeom prst="rect">
           <a:avLst/>
@@ -1751,6 +2252,111 @@
         </a:effectRef>
         <a:fontRef idx="minor"/>
       </dsp:style>
+      <dsp:txBody>
+        <a:bodyPr spcFirstLastPara="0" vert="horz" wrap="square" lIns="630823" tIns="312420" rIns="630823" bIns="106680" numCol="1" spcCol="1270" anchor="t" anchorCtr="0">
+          <a:noAutofit/>
+        </a:bodyPr>
+        <a:lstStyle/>
+        <a:p>
+          <a:pPr marL="114300" lvl="1" indent="-114300" algn="l" defTabSz="666750">
+            <a:lnSpc>
+              <a:spcPct val="90000"/>
+            </a:lnSpc>
+            <a:spcBef>
+              <a:spcPct val="0"/>
+            </a:spcBef>
+            <a:spcAft>
+              <a:spcPct val="15000"/>
+            </a:spcAft>
+            <a:buChar char="••"/>
+          </a:pPr>
+          <a:r>
+            <a:rPr lang="en-US" sz="1500" kern="1200" dirty="0" smtClean="0"/>
+            <a:t>Query business and review text for only healthcare related business in Arizona state</a:t>
+          </a:r>
+          <a:endParaRPr lang="en-US" sz="1500" kern="1200" dirty="0"/>
+        </a:p>
+        <a:p>
+          <a:pPr marL="114300" lvl="1" indent="-114300" algn="l" defTabSz="666750">
+            <a:lnSpc>
+              <a:spcPct val="90000"/>
+            </a:lnSpc>
+            <a:spcBef>
+              <a:spcPct val="0"/>
+            </a:spcBef>
+            <a:spcAft>
+              <a:spcPct val="15000"/>
+            </a:spcAft>
+            <a:buChar char="••"/>
+          </a:pPr>
+          <a:r>
+            <a:rPr lang="en-US" sz="1500" kern="1200" dirty="0" smtClean="0"/>
+            <a:t>Create corpus, remove punctuations, number, stop words</a:t>
+          </a:r>
+          <a:endParaRPr lang="en-US" sz="1500" kern="1200" dirty="0"/>
+        </a:p>
+        <a:p>
+          <a:pPr marL="114300" lvl="1" indent="-114300" algn="l" defTabSz="666750">
+            <a:lnSpc>
+              <a:spcPct val="90000"/>
+            </a:lnSpc>
+            <a:spcBef>
+              <a:spcPct val="0"/>
+            </a:spcBef>
+            <a:spcAft>
+              <a:spcPct val="15000"/>
+            </a:spcAft>
+            <a:buChar char="••"/>
+          </a:pPr>
+          <a:r>
+            <a:rPr lang="en-US" sz="1500" kern="1200" dirty="0" smtClean="0"/>
+            <a:t>Stemming all documents</a:t>
+          </a:r>
+          <a:endParaRPr lang="en-US" sz="1500" kern="1200" dirty="0"/>
+        </a:p>
+        <a:p>
+          <a:pPr marL="114300" lvl="1" indent="-114300" algn="l" defTabSz="666750">
+            <a:lnSpc>
+              <a:spcPct val="90000"/>
+            </a:lnSpc>
+            <a:spcBef>
+              <a:spcPct val="0"/>
+            </a:spcBef>
+            <a:spcAft>
+              <a:spcPct val="15000"/>
+            </a:spcAft>
+            <a:buChar char="••"/>
+          </a:pPr>
+          <a:r>
+            <a:rPr lang="en-US" sz="1500" kern="1200" dirty="0" smtClean="0"/>
+            <a:t>Using R tm package to create Document term matrix (DTM) and term document matrix (TDM) </a:t>
+          </a:r>
+          <a:endParaRPr lang="en-US" sz="1500" kern="1200" dirty="0"/>
+        </a:p>
+        <a:p>
+          <a:pPr marL="114300" lvl="1" indent="-114300" algn="l" defTabSz="666750">
+            <a:lnSpc>
+              <a:spcPct val="90000"/>
+            </a:lnSpc>
+            <a:spcBef>
+              <a:spcPct val="0"/>
+            </a:spcBef>
+            <a:spcAft>
+              <a:spcPct val="15000"/>
+            </a:spcAft>
+            <a:buChar char="••"/>
+          </a:pPr>
+          <a:r>
+            <a:rPr lang="en-US" sz="1500" kern="1200" dirty="0" smtClean="0"/>
+            <a:t>Remove sparsity</a:t>
+          </a:r>
+          <a:endParaRPr lang="en-US" sz="1500" kern="1200" dirty="0"/>
+        </a:p>
+      </dsp:txBody>
+      <dsp:txXfrm>
+        <a:off x="0" y="2144861"/>
+        <a:ext cx="8128000" cy="1842750"/>
+      </dsp:txXfrm>
     </dsp:sp>
     <dsp:sp modelId="{88425A1B-CE82-4A74-86D7-DFF3A0D39D54}">
       <dsp:nvSpPr>
@@ -1759,8 +2365,8 @@
       </dsp:nvSpPr>
       <dsp:spPr>
         <a:xfrm>
-          <a:off x="406400" y="3233583"/>
-          <a:ext cx="5689600" cy="738000"/>
+          <a:off x="406400" y="1923461"/>
+          <a:ext cx="5689600" cy="442800"/>
         </a:xfrm>
         <a:prstGeom prst="roundRect">
           <a:avLst/>
@@ -1810,7 +2416,7 @@
         </a:bodyPr>
         <a:lstStyle/>
         <a:p>
-          <a:pPr lvl="0" algn="l" defTabSz="1111250">
+          <a:pPr lvl="0" algn="l" defTabSz="666750">
             <a:lnSpc>
               <a:spcPct val="90000"/>
             </a:lnSpc>
@@ -1822,15 +2428,15 @@
             </a:spcAft>
           </a:pPr>
           <a:r>
-            <a:rPr lang="en-US" sz="2500" kern="1200" dirty="0" smtClean="0"/>
+            <a:rPr lang="en-US" sz="1500" kern="1200" dirty="0" smtClean="0"/>
             <a:t>Text mining basics</a:t>
           </a:r>
-          <a:endParaRPr lang="en-US" sz="2500" kern="1200" dirty="0"/>
+          <a:endParaRPr lang="en-US" sz="1500" kern="1200" dirty="0"/>
         </a:p>
       </dsp:txBody>
       <dsp:txXfrm>
-        <a:off x="442426" y="3269609"/>
-        <a:ext cx="5617548" cy="665948"/>
+        <a:off x="428016" y="1945077"/>
+        <a:ext cx="5646368" cy="399568"/>
       </dsp:txXfrm>
     </dsp:sp>
     <dsp:sp modelId="{2D50D6F6-D45C-434F-B4FD-F7EEEBB3D0E6}">
@@ -1840,8 +2446,8 @@
       </dsp:nvSpPr>
       <dsp:spPr>
         <a:xfrm>
-          <a:off x="0" y="4736583"/>
-          <a:ext cx="8128000" cy="630000"/>
+          <a:off x="0" y="4290012"/>
+          <a:ext cx="8128000" cy="637875"/>
         </a:xfrm>
         <a:prstGeom prst="rect">
           <a:avLst/>
@@ -1884,6 +2490,35 @@
         </a:effectRef>
         <a:fontRef idx="minor"/>
       </dsp:style>
+      <dsp:txBody>
+        <a:bodyPr spcFirstLastPara="0" vert="horz" wrap="square" lIns="630823" tIns="312420" rIns="630823" bIns="106680" numCol="1" spcCol="1270" anchor="t" anchorCtr="0">
+          <a:noAutofit/>
+        </a:bodyPr>
+        <a:lstStyle/>
+        <a:p>
+          <a:pPr marL="114300" lvl="1" indent="-114300" algn="l" defTabSz="666750">
+            <a:lnSpc>
+              <a:spcPct val="90000"/>
+            </a:lnSpc>
+            <a:spcBef>
+              <a:spcPct val="0"/>
+            </a:spcBef>
+            <a:spcAft>
+              <a:spcPct val="15000"/>
+            </a:spcAft>
+            <a:buChar char="••"/>
+          </a:pPr>
+          <a:r>
+            <a:rPr lang="en-US" sz="1500" kern="1200" dirty="0" smtClean="0"/>
+            <a:t>Group and label the review text with a topic</a:t>
+          </a:r>
+          <a:endParaRPr lang="en-US" sz="1500" kern="1200" dirty="0"/>
+        </a:p>
+      </dsp:txBody>
+      <dsp:txXfrm>
+        <a:off x="0" y="4290012"/>
+        <a:ext cx="8128000" cy="637875"/>
+      </dsp:txXfrm>
     </dsp:sp>
     <dsp:sp modelId="{A414A348-CDA7-41FF-A3DC-FDE2157D9BCB}">
       <dsp:nvSpPr>
@@ -1892,8 +2527,8 @@
       </dsp:nvSpPr>
       <dsp:spPr>
         <a:xfrm>
-          <a:off x="406400" y="4367583"/>
-          <a:ext cx="5689600" cy="738000"/>
+          <a:off x="406400" y="4068612"/>
+          <a:ext cx="5689600" cy="442800"/>
         </a:xfrm>
         <a:prstGeom prst="roundRect">
           <a:avLst/>
@@ -1943,7 +2578,7 @@
         </a:bodyPr>
         <a:lstStyle/>
         <a:p>
-          <a:pPr lvl="0" algn="l" defTabSz="1111250">
+          <a:pPr lvl="0" algn="l" defTabSz="666750">
             <a:lnSpc>
               <a:spcPct val="90000"/>
             </a:lnSpc>
@@ -1955,15 +2590,189 @@
             </a:spcAft>
           </a:pPr>
           <a:r>
-            <a:rPr lang="en-US" sz="2500" kern="1200" dirty="0" smtClean="0"/>
-            <a:t>Topic Modeling (LDA)</a:t>
+            <a:rPr lang="en-US" sz="1500" kern="1200" dirty="0" smtClean="0"/>
+            <a:t>Topic Modeling </a:t>
           </a:r>
-          <a:endParaRPr lang="en-US" sz="2500" kern="1200" dirty="0"/>
+          <a:r>
+            <a:rPr lang="en-US" sz="1500" kern="1200" dirty="0" smtClean="0"/>
+            <a:t> using Latent </a:t>
+          </a:r>
+          <a:r>
+            <a:rPr lang="en-US" sz="1500" kern="1200" dirty="0" err="1" smtClean="0"/>
+            <a:t>Dirichlet</a:t>
+          </a:r>
+          <a:r>
+            <a:rPr lang="en-US" sz="1500" kern="1200" dirty="0" smtClean="0"/>
+            <a:t> Allocation (LDA)</a:t>
+          </a:r>
+          <a:endParaRPr lang="en-US" sz="1500" kern="1200" dirty="0"/>
         </a:p>
       </dsp:txBody>
       <dsp:txXfrm>
-        <a:off x="442426" y="4403609"/>
-        <a:ext cx="5617548" cy="665948"/>
+        <a:off x="428016" y="4090228"/>
+        <a:ext cx="5646368" cy="399568"/>
+      </dsp:txXfrm>
+    </dsp:sp>
+    <dsp:sp modelId="{F0AF03FD-7C24-4393-9342-DAE729543B66}">
+      <dsp:nvSpPr>
+        <dsp:cNvPr id="0" name=""/>
+        <dsp:cNvSpPr/>
+      </dsp:nvSpPr>
+      <dsp:spPr>
+        <a:xfrm>
+          <a:off x="0" y="5230287"/>
+          <a:ext cx="8128000" cy="637875"/>
+        </a:xfrm>
+        <a:prstGeom prst="rect">
+          <a:avLst/>
+        </a:prstGeom>
+        <a:solidFill>
+          <a:schemeClr val="lt1">
+            <a:alpha val="90000"/>
+            <a:hueOff val="0"/>
+            <a:satOff val="0"/>
+            <a:lumOff val="0"/>
+            <a:alphaOff val="0"/>
+          </a:schemeClr>
+        </a:solidFill>
+        <a:ln>
+          <a:noFill/>
+        </a:ln>
+        <a:effectLst/>
+        <a:scene3d>
+          <a:camera prst="orthographicFront">
+            <a:rot lat="0" lon="0" rev="0"/>
+          </a:camera>
+          <a:lightRig rig="contrasting" dir="t">
+            <a:rot lat="0" lon="0" rev="1200000"/>
+          </a:lightRig>
+        </a:scene3d>
+        <a:sp3d z="300000" contourW="19050" prstMaterial="metal">
+          <a:bevelT w="88900" h="203200"/>
+          <a:bevelB w="165100" h="254000"/>
+        </a:sp3d>
+      </dsp:spPr>
+      <dsp:style>
+        <a:lnRef idx="0">
+          <a:scrgbClr r="0" g="0" b="0"/>
+        </a:lnRef>
+        <a:fillRef idx="1">
+          <a:scrgbClr r="0" g="0" b="0"/>
+        </a:fillRef>
+        <a:effectRef idx="0">
+          <a:scrgbClr r="0" g="0" b="0"/>
+        </a:effectRef>
+        <a:fontRef idx="minor"/>
+      </dsp:style>
+      <dsp:txBody>
+        <a:bodyPr spcFirstLastPara="0" vert="horz" wrap="square" lIns="630823" tIns="312420" rIns="630823" bIns="106680" numCol="1" spcCol="1270" anchor="t" anchorCtr="0">
+          <a:noAutofit/>
+        </a:bodyPr>
+        <a:lstStyle/>
+        <a:p>
+          <a:pPr marL="114300" lvl="1" indent="-114300" algn="l" defTabSz="666750">
+            <a:lnSpc>
+              <a:spcPct val="90000"/>
+            </a:lnSpc>
+            <a:spcBef>
+              <a:spcPct val="0"/>
+            </a:spcBef>
+            <a:spcAft>
+              <a:spcPct val="15000"/>
+            </a:spcAft>
+            <a:buChar char="••"/>
+          </a:pPr>
+          <a:r>
+            <a:rPr lang="en-US" sz="1500" kern="1200" dirty="0" smtClean="0"/>
+            <a:t>Finding similarities among the review documents</a:t>
+          </a:r>
+          <a:endParaRPr lang="en-US" sz="1500" kern="1200" dirty="0"/>
+        </a:p>
+      </dsp:txBody>
+      <dsp:txXfrm>
+        <a:off x="0" y="5230287"/>
+        <a:ext cx="8128000" cy="637875"/>
+      </dsp:txXfrm>
+    </dsp:sp>
+    <dsp:sp modelId="{FE0A26DD-C5A2-43C1-9715-13BAD5CF0CBE}">
+      <dsp:nvSpPr>
+        <dsp:cNvPr id="0" name=""/>
+        <dsp:cNvSpPr/>
+      </dsp:nvSpPr>
+      <dsp:spPr>
+        <a:xfrm>
+          <a:off x="406400" y="5008887"/>
+          <a:ext cx="5689600" cy="442800"/>
+        </a:xfrm>
+        <a:prstGeom prst="roundRect">
+          <a:avLst/>
+        </a:prstGeom>
+        <a:solidFill>
+          <a:schemeClr val="accent5">
+            <a:hueOff val="0"/>
+            <a:satOff val="0"/>
+            <a:lumOff val="0"/>
+            <a:alphaOff val="0"/>
+          </a:schemeClr>
+        </a:solidFill>
+        <a:ln>
+          <a:noFill/>
+        </a:ln>
+        <a:effectLst/>
+        <a:scene3d>
+          <a:camera prst="orthographicFront">
+            <a:rot lat="0" lon="0" rev="0"/>
+          </a:camera>
+          <a:lightRig rig="contrasting" dir="t">
+            <a:rot lat="0" lon="0" rev="1200000"/>
+          </a:lightRig>
+        </a:scene3d>
+        <a:sp3d contourW="19050" prstMaterial="metal">
+          <a:bevelT w="88900" h="203200"/>
+          <a:bevelB w="165100" h="254000"/>
+        </a:sp3d>
+      </dsp:spPr>
+      <dsp:style>
+        <a:lnRef idx="0">
+          <a:scrgbClr r="0" g="0" b="0"/>
+        </a:lnRef>
+        <a:fillRef idx="1">
+          <a:scrgbClr r="0" g="0" b="0"/>
+        </a:fillRef>
+        <a:effectRef idx="2">
+          <a:scrgbClr r="0" g="0" b="0"/>
+        </a:effectRef>
+        <a:fontRef idx="minor">
+          <a:schemeClr val="lt1"/>
+        </a:fontRef>
+      </dsp:style>
+      <dsp:txBody>
+        <a:bodyPr spcFirstLastPara="0" vert="horz" wrap="square" lIns="215053" tIns="0" rIns="215053" bIns="0" numCol="1" spcCol="1270" anchor="ctr" anchorCtr="0">
+          <a:noAutofit/>
+        </a:bodyPr>
+        <a:lstStyle/>
+        <a:p>
+          <a:pPr lvl="0" algn="l" defTabSz="666750">
+            <a:lnSpc>
+              <a:spcPct val="90000"/>
+            </a:lnSpc>
+            <a:spcBef>
+              <a:spcPct val="0"/>
+            </a:spcBef>
+            <a:spcAft>
+              <a:spcPct val="35000"/>
+            </a:spcAft>
+          </a:pPr>
+          <a:r>
+            <a:rPr lang="en-US" sz="1500" kern="1200" dirty="0" smtClean="0"/>
+            <a:t>Latent Semantic Analysis (LSA)</a:t>
+          </a:r>
+          <a:endParaRPr lang="en-US" sz="1500" kern="1200" dirty="0"/>
+        </a:p>
+      </dsp:txBody>
+      <dsp:txXfrm>
+        <a:off x="428016" y="5030503"/>
+        <a:ext cx="5646368" cy="399568"/>
       </dsp:txXfrm>
     </dsp:sp>
   </dsp:spTree>
@@ -3656,7 +4465,7 @@
           <a:p>
             <a:fld id="{9C0B4EDF-910D-4BD1-B251-EEA832C828E4}" type="datetimeFigureOut">
               <a:rPr lang="en-US" smtClean="0"/>
-              <a:t>11/14/2015</a:t>
+              <a:t>11/20/2015</a:t>
             </a:fld>
             <a:endParaRPr lang="en-US"/>
           </a:p>
@@ -3826,7 +4635,7 @@
           <a:p>
             <a:fld id="{9C0B4EDF-910D-4BD1-B251-EEA832C828E4}" type="datetimeFigureOut">
               <a:rPr lang="en-US" smtClean="0"/>
-              <a:t>11/14/2015</a:t>
+              <a:t>11/20/2015</a:t>
             </a:fld>
             <a:endParaRPr lang="en-US"/>
           </a:p>
@@ -4006,7 +4815,7 @@
           <a:p>
             <a:fld id="{9C0B4EDF-910D-4BD1-B251-EEA832C828E4}" type="datetimeFigureOut">
               <a:rPr lang="en-US" smtClean="0"/>
-              <a:t>11/14/2015</a:t>
+              <a:t>11/20/2015</a:t>
             </a:fld>
             <a:endParaRPr lang="en-US"/>
           </a:p>
@@ -4176,7 +4985,7 @@
           <a:p>
             <a:fld id="{9C0B4EDF-910D-4BD1-B251-EEA832C828E4}" type="datetimeFigureOut">
               <a:rPr lang="en-US" smtClean="0"/>
-              <a:t>11/14/2015</a:t>
+              <a:t>11/20/2015</a:t>
             </a:fld>
             <a:endParaRPr lang="en-US"/>
           </a:p>
@@ -4422,7 +5231,7 @@
           <a:p>
             <a:fld id="{9C0B4EDF-910D-4BD1-B251-EEA832C828E4}" type="datetimeFigureOut">
               <a:rPr lang="en-US" smtClean="0"/>
-              <a:t>11/14/2015</a:t>
+              <a:t>11/20/2015</a:t>
             </a:fld>
             <a:endParaRPr lang="en-US"/>
           </a:p>
@@ -4654,7 +5463,7 @@
           <a:p>
             <a:fld id="{9C0B4EDF-910D-4BD1-B251-EEA832C828E4}" type="datetimeFigureOut">
               <a:rPr lang="en-US" smtClean="0"/>
-              <a:t>11/14/2015</a:t>
+              <a:t>11/20/2015</a:t>
             </a:fld>
             <a:endParaRPr lang="en-US"/>
           </a:p>
@@ -5021,7 +5830,7 @@
           <a:p>
             <a:fld id="{9C0B4EDF-910D-4BD1-B251-EEA832C828E4}" type="datetimeFigureOut">
               <a:rPr lang="en-US" smtClean="0"/>
-              <a:t>11/14/2015</a:t>
+              <a:t>11/20/2015</a:t>
             </a:fld>
             <a:endParaRPr lang="en-US"/>
           </a:p>
@@ -5139,7 +5948,7 @@
           <a:p>
             <a:fld id="{9C0B4EDF-910D-4BD1-B251-EEA832C828E4}" type="datetimeFigureOut">
               <a:rPr lang="en-US" smtClean="0"/>
-              <a:t>11/14/2015</a:t>
+              <a:t>11/20/2015</a:t>
             </a:fld>
             <a:endParaRPr lang="en-US"/>
           </a:p>
@@ -5234,7 +6043,7 @@
           <a:p>
             <a:fld id="{9C0B4EDF-910D-4BD1-B251-EEA832C828E4}" type="datetimeFigureOut">
               <a:rPr lang="en-US" smtClean="0"/>
-              <a:t>11/14/2015</a:t>
+              <a:t>11/20/2015</a:t>
             </a:fld>
             <a:endParaRPr lang="en-US"/>
           </a:p>
@@ -5511,7 +6320,7 @@
           <a:p>
             <a:fld id="{9C0B4EDF-910D-4BD1-B251-EEA832C828E4}" type="datetimeFigureOut">
               <a:rPr lang="en-US" smtClean="0"/>
-              <a:t>11/14/2015</a:t>
+              <a:t>11/20/2015</a:t>
             </a:fld>
             <a:endParaRPr lang="en-US"/>
           </a:p>
@@ -5764,7 +6573,7 @@
           <a:p>
             <a:fld id="{9C0B4EDF-910D-4BD1-B251-EEA832C828E4}" type="datetimeFigureOut">
               <a:rPr lang="en-US" smtClean="0"/>
-              <a:t>11/14/2015</a:t>
+              <a:t>11/20/2015</a:t>
             </a:fld>
             <a:endParaRPr lang="en-US"/>
           </a:p>
@@ -5977,7 +6786,7 @@
           <a:p>
             <a:fld id="{9C0B4EDF-910D-4BD1-B251-EEA832C828E4}" type="datetimeFigureOut">
               <a:rPr lang="en-US" smtClean="0"/>
-              <a:t>11/14/2015</a:t>
+              <a:t>11/20/2015</a:t>
             </a:fld>
             <a:endParaRPr lang="en-US"/>
           </a:p>
@@ -6382,6 +7191,253 @@
           <a:chExt cx="0" cy="0"/>
         </a:xfrm>
       </p:grpSpPr>
+      <p:sp>
+        <p:nvSpPr>
+          <p:cNvPr id="2" name="Title 1"/>
+          <p:cNvSpPr>
+            <a:spLocks noGrp="1"/>
+          </p:cNvSpPr>
+          <p:nvPr>
+            <p:ph type="ctrTitle"/>
+          </p:nvPr>
+        </p:nvSpPr>
+        <p:spPr/>
+        <p:txBody>
+          <a:bodyPr/>
+          <a:lstStyle/>
+          <a:p>
+            <a:r>
+              <a:rPr lang="en-US" dirty="0" smtClean="0"/>
+              <a:t>Text Mining Yelp Reviews using LDA and LSA</a:t>
+            </a:r>
+            <a:endParaRPr lang="en-US" dirty="0"/>
+          </a:p>
+        </p:txBody>
+      </p:sp>
+      <p:sp>
+        <p:nvSpPr>
+          <p:cNvPr id="3" name="Subtitle 2"/>
+          <p:cNvSpPr>
+            <a:spLocks noGrp="1"/>
+          </p:cNvSpPr>
+          <p:nvPr>
+            <p:ph type="subTitle" idx="1"/>
+          </p:nvPr>
+        </p:nvSpPr>
+        <p:spPr>
+          <a:xfrm>
+            <a:off x="1524000" y="3602037"/>
+            <a:ext cx="9144000" cy="2156211"/>
+          </a:xfrm>
+        </p:spPr>
+        <p:txBody>
+          <a:bodyPr>
+            <a:normAutofit lnSpcReduction="10000"/>
+          </a:bodyPr>
+          <a:lstStyle/>
+          <a:p>
+            <a:r>
+              <a:rPr lang="en-US" dirty="0" smtClean="0"/>
+              <a:t>Yelp Challenge Dataset</a:t>
+            </a:r>
+          </a:p>
+          <a:p>
+            <a:r>
+              <a:rPr lang="en-US" dirty="0" smtClean="0"/>
+              <a:t>Data Science Specialization</a:t>
+            </a:r>
+          </a:p>
+          <a:p>
+            <a:r>
+              <a:rPr lang="en-US" dirty="0" smtClean="0"/>
+              <a:t>Johns Hopkins University (via Coursera)</a:t>
+            </a:r>
+          </a:p>
+          <a:p>
+            <a:r>
+              <a:rPr lang="en-US" dirty="0" smtClean="0"/>
+              <a:t>Capstone Project</a:t>
+            </a:r>
+          </a:p>
+          <a:p>
+            <a:r>
+              <a:rPr lang="en-US" smtClean="0"/>
+              <a:t>November </a:t>
+            </a:r>
+            <a:r>
+              <a:rPr lang="en-US" dirty="0" smtClean="0"/>
+              <a:t>2015</a:t>
+            </a:r>
+            <a:endParaRPr lang="en-US" dirty="0"/>
+          </a:p>
+        </p:txBody>
+      </p:sp>
+    </p:spTree>
+    <p:extLst>
+      <p:ext uri="{BB962C8B-B14F-4D97-AF65-F5344CB8AC3E}">
+        <p14:creationId xmlns:p14="http://schemas.microsoft.com/office/powerpoint/2010/main" val="3624494884"/>
+      </p:ext>
+    </p:extLst>
+  </p:cSld>
+  <p:clrMapOvr>
+    <a:masterClrMapping/>
+  </p:clrMapOvr>
+</p:sld>
+</file>
+
+<file path=ppt/slides/slide2.xml><?xml version="1.0" encoding="utf-8"?>
+<p:sld xmlns:a="http://schemas.openxmlformats.org/drawingml/2006/main" xmlns:r="http://schemas.openxmlformats.org/officeDocument/2006/relationships" xmlns:p="http://schemas.openxmlformats.org/presentationml/2006/main">
+  <p:cSld>
+    <p:spTree>
+      <p:nvGrpSpPr>
+        <p:cNvPr id="1" name=""/>
+        <p:cNvGrpSpPr/>
+        <p:nvPr/>
+      </p:nvGrpSpPr>
+      <p:grpSpPr>
+        <a:xfrm>
+          <a:off x="0" y="0"/>
+          <a:ext cx="0" cy="0"/>
+          <a:chOff x="0" y="0"/>
+          <a:chExt cx="0" cy="0"/>
+        </a:xfrm>
+      </p:grpSpPr>
+      <p:sp>
+        <p:nvSpPr>
+          <p:cNvPr id="2" name="Title 1"/>
+          <p:cNvSpPr>
+            <a:spLocks noGrp="1"/>
+          </p:cNvSpPr>
+          <p:nvPr>
+            <p:ph type="title"/>
+          </p:nvPr>
+        </p:nvSpPr>
+        <p:spPr/>
+        <p:txBody>
+          <a:bodyPr>
+            <a:normAutofit/>
+          </a:bodyPr>
+          <a:lstStyle/>
+          <a:p>
+            <a:r>
+              <a:rPr lang="en-US" sz="3200" b="1" dirty="0" smtClean="0"/>
+              <a:t>Using Review and Business data of Yelp Challenge Dataset to answer following questions </a:t>
+            </a:r>
+            <a:endParaRPr lang="en-US" sz="3200" b="1" dirty="0"/>
+          </a:p>
+        </p:txBody>
+      </p:sp>
+      <p:sp>
+        <p:nvSpPr>
+          <p:cNvPr id="3" name="Content Placeholder 2"/>
+          <p:cNvSpPr>
+            <a:spLocks noGrp="1"/>
+          </p:cNvSpPr>
+          <p:nvPr>
+            <p:ph idx="1"/>
+          </p:nvPr>
+        </p:nvSpPr>
+        <p:spPr/>
+        <p:txBody>
+          <a:bodyPr/>
+          <a:lstStyle/>
+          <a:p>
+            <a:r>
+              <a:rPr lang="en-US" dirty="0"/>
+              <a:t>Would it is possible to qualitatively determine the review score using text analytics?  In other words are there particular terms indicative of the score?  </a:t>
+            </a:r>
+            <a:endParaRPr lang="en-US" dirty="0" smtClean="0"/>
+          </a:p>
+          <a:p>
+            <a:r>
+              <a:rPr lang="en-US" dirty="0" smtClean="0"/>
+              <a:t>The </a:t>
+            </a:r>
+            <a:r>
+              <a:rPr lang="en-US" dirty="0"/>
+              <a:t>application of the analysis may be used to help Yelpers to retrieve better results from searching reviews.  </a:t>
+            </a:r>
+            <a:endParaRPr lang="en-US" dirty="0" smtClean="0"/>
+          </a:p>
+          <a:p>
+            <a:r>
+              <a:rPr lang="en-US" dirty="0" smtClean="0"/>
+              <a:t>Focus: </a:t>
+            </a:r>
+          </a:p>
+          <a:p>
+            <a:pPr lvl="1"/>
+            <a:r>
+              <a:rPr lang="en-US" dirty="0" smtClean="0"/>
+              <a:t>The </a:t>
+            </a:r>
+            <a:r>
+              <a:rPr lang="en-US" dirty="0"/>
+              <a:t>analysis focuses on </a:t>
+            </a:r>
+            <a:r>
+              <a:rPr lang="en-US" dirty="0" smtClean="0"/>
+              <a:t>reviews for medical </a:t>
+            </a:r>
+            <a:r>
+              <a:rPr lang="en-US" dirty="0"/>
+              <a:t>doctor, physician, dentist or </a:t>
+            </a:r>
+            <a:r>
+              <a:rPr lang="en-US" dirty="0" smtClean="0"/>
+              <a:t>health </a:t>
+            </a:r>
+            <a:r>
+              <a:rPr lang="en-US" dirty="0"/>
+              <a:t>centers </a:t>
+            </a:r>
+            <a:r>
+              <a:rPr lang="en-US" dirty="0" smtClean="0"/>
+              <a:t>services in the state of Arizona</a:t>
+            </a:r>
+          </a:p>
+          <a:p>
+            <a:pPr marL="457200" lvl="1" indent="0">
+              <a:buNone/>
+            </a:pPr>
+            <a:endParaRPr lang="en-US" dirty="0" smtClean="0"/>
+          </a:p>
+          <a:p>
+            <a:pPr lvl="1"/>
+            <a:endParaRPr lang="en-US" dirty="0"/>
+          </a:p>
+        </p:txBody>
+      </p:sp>
+    </p:spTree>
+    <p:extLst>
+      <p:ext uri="{BB962C8B-B14F-4D97-AF65-F5344CB8AC3E}">
+        <p14:creationId xmlns:p14="http://schemas.microsoft.com/office/powerpoint/2010/main" val="2986034144"/>
+      </p:ext>
+    </p:extLst>
+  </p:cSld>
+  <p:clrMapOvr>
+    <a:masterClrMapping/>
+  </p:clrMapOvr>
+</p:sld>
+</file>
+
+<file path=ppt/slides/slide3.xml><?xml version="1.0" encoding="utf-8"?>
+<p:sld xmlns:a="http://schemas.openxmlformats.org/drawingml/2006/main" xmlns:r="http://schemas.openxmlformats.org/officeDocument/2006/relationships" xmlns:p="http://schemas.openxmlformats.org/presentationml/2006/main">
+  <p:cSld>
+    <p:spTree>
+      <p:nvGrpSpPr>
+        <p:cNvPr id="1" name=""/>
+        <p:cNvGrpSpPr/>
+        <p:nvPr/>
+      </p:nvGrpSpPr>
+      <p:grpSpPr>
+        <a:xfrm>
+          <a:off x="0" y="0"/>
+          <a:ext cx="0" cy="0"/>
+          <a:chOff x="0" y="0"/>
+          <a:chExt cx="0" cy="0"/>
+        </a:xfrm>
+      </p:grpSpPr>
       <p:graphicFrame>
         <p:nvGraphicFramePr>
           <p:cNvPr id="4" name="Diagram 3"/>
@@ -6389,14 +7445,14 @@
           <p:nvPr>
             <p:extLst>
               <p:ext uri="{D42A27DB-BD31-4B8C-83A1-F6EECF244321}">
-                <p14:modId xmlns:p14="http://schemas.microsoft.com/office/powerpoint/2010/main" val="3025730565"/>
+                <p14:modId xmlns:p14="http://schemas.microsoft.com/office/powerpoint/2010/main" val="3599853199"/>
               </p:ext>
             </p:extLst>
           </p:nvPr>
         </p:nvGraphicFramePr>
         <p:xfrm>
-          <a:off x="2032000" y="719666"/>
-          <a:ext cx="8128000" cy="5418667"/>
+          <a:off x="2032000" y="827904"/>
+          <a:ext cx="8128000" cy="5882724"/>
         </p:xfrm>
         <a:graphic>
           <a:graphicData uri="http://schemas.openxmlformats.org/drawingml/2006/diagram">
@@ -6404,10 +7460,995 @@
           </a:graphicData>
         </a:graphic>
       </p:graphicFrame>
+      <p:sp>
+        <p:nvSpPr>
+          <p:cNvPr id="2" name="Title 1"/>
+          <p:cNvSpPr>
+            <a:spLocks noGrp="1"/>
+          </p:cNvSpPr>
+          <p:nvPr>
+            <p:ph type="title"/>
+          </p:nvPr>
+        </p:nvSpPr>
+        <p:spPr>
+          <a:xfrm>
+            <a:off x="838200" y="56884"/>
+            <a:ext cx="10515600" cy="771019"/>
+          </a:xfrm>
+        </p:spPr>
+        <p:txBody>
+          <a:bodyPr>
+            <a:normAutofit fontScale="90000"/>
+          </a:bodyPr>
+          <a:lstStyle/>
+          <a:p>
+            <a:r>
+              <a:rPr lang="en-US" sz="2800" b="1" dirty="0" smtClean="0"/>
+              <a:t>Process is layout below.  Latent </a:t>
+            </a:r>
+            <a:r>
+              <a:rPr lang="en-US" sz="2800" b="1" dirty="0" err="1" smtClean="0"/>
+              <a:t>Dirichlet</a:t>
+            </a:r>
+            <a:r>
+              <a:rPr lang="en-US" sz="2800" b="1" dirty="0" smtClean="0"/>
+              <a:t> Association (LDA) and Latent Semantic Analysis (LSA) are method used for text mining.</a:t>
+            </a:r>
+            <a:endParaRPr lang="en-US" sz="2800" b="1" dirty="0"/>
+          </a:p>
+        </p:txBody>
+      </p:sp>
+      <p:sp>
+        <p:nvSpPr>
+          <p:cNvPr id="3" name="Content Placeholder 2"/>
+          <p:cNvSpPr>
+            <a:spLocks noGrp="1"/>
+          </p:cNvSpPr>
+          <p:nvPr>
+            <p:ph idx="1"/>
+          </p:nvPr>
+        </p:nvSpPr>
+        <p:spPr/>
+        <p:txBody>
+          <a:bodyPr/>
+          <a:lstStyle/>
+          <a:p>
+            <a:pPr marL="0" indent="0">
+              <a:buNone/>
+            </a:pPr>
+            <a:r>
+              <a:rPr lang="en-US" dirty="0" smtClean="0"/>
+              <a:t> </a:t>
+            </a:r>
+            <a:endParaRPr lang="en-US" dirty="0"/>
+          </a:p>
+        </p:txBody>
+      </p:sp>
     </p:spTree>
     <p:extLst>
       <p:ext uri="{BB962C8B-B14F-4D97-AF65-F5344CB8AC3E}">
         <p14:creationId xmlns:p14="http://schemas.microsoft.com/office/powerpoint/2010/main" val="1597877561"/>
+      </p:ext>
+    </p:extLst>
+  </p:cSld>
+  <p:clrMapOvr>
+    <a:masterClrMapping/>
+  </p:clrMapOvr>
+</p:sld>
+</file>
+
+<file path=ppt/slides/slide4.xml><?xml version="1.0" encoding="utf-8"?>
+<p:sld xmlns:a="http://schemas.openxmlformats.org/drawingml/2006/main" xmlns:r="http://schemas.openxmlformats.org/officeDocument/2006/relationships" xmlns:p="http://schemas.openxmlformats.org/presentationml/2006/main">
+  <p:cSld>
+    <p:spTree>
+      <p:nvGrpSpPr>
+        <p:cNvPr id="1" name=""/>
+        <p:cNvGrpSpPr/>
+        <p:nvPr/>
+      </p:nvGrpSpPr>
+      <p:grpSpPr>
+        <a:xfrm>
+          <a:off x="0" y="0"/>
+          <a:ext cx="0" cy="0"/>
+          <a:chOff x="0" y="0"/>
+          <a:chExt cx="0" cy="0"/>
+        </a:xfrm>
+      </p:grpSpPr>
+      <p:sp>
+        <p:nvSpPr>
+          <p:cNvPr id="8" name="Title 7"/>
+          <p:cNvSpPr>
+            <a:spLocks noGrp="1"/>
+          </p:cNvSpPr>
+          <p:nvPr>
+            <p:ph type="title"/>
+          </p:nvPr>
+        </p:nvSpPr>
+        <p:spPr>
+          <a:xfrm>
+            <a:off x="271849" y="204487"/>
+            <a:ext cx="11677135" cy="1325563"/>
+          </a:xfrm>
+        </p:spPr>
+        <p:txBody>
+          <a:bodyPr>
+            <a:noAutofit/>
+          </a:bodyPr>
+          <a:lstStyle/>
+          <a:p>
+            <a:r>
+              <a:rPr lang="en-US" sz="2800" b="1" dirty="0" smtClean="0"/>
+              <a:t>Word cloud is an effective tool to get a quick and informative view of the data.   </a:t>
+            </a:r>
+            <a:r>
+              <a:rPr lang="en-US" sz="2800" b="1" dirty="0" smtClean="0"/>
+              <a:t>Data on the left cloud </a:t>
+            </a:r>
+            <a:r>
+              <a:rPr lang="en-US" sz="2800" b="1" dirty="0" smtClean="0"/>
+              <a:t>is 100% sparse, and  78% sparse on the right.  Both clouds immediate ‘tells’ the dataset is about ‘doctor’, ‘office’, and </a:t>
+            </a:r>
+            <a:r>
+              <a:rPr lang="en-US" sz="3200" b="1" dirty="0" smtClean="0"/>
+              <a:t>‘time’.</a:t>
+            </a:r>
+            <a:endParaRPr lang="en-US" sz="3200" b="1" dirty="0"/>
+          </a:p>
+        </p:txBody>
+      </p:sp>
+      <p:sp>
+        <p:nvSpPr>
+          <p:cNvPr id="10" name="Content Placeholder 9"/>
+          <p:cNvSpPr>
+            <a:spLocks noGrp="1"/>
+          </p:cNvSpPr>
+          <p:nvPr>
+            <p:ph sz="half" idx="2"/>
+          </p:nvPr>
+        </p:nvSpPr>
+        <p:spPr/>
+        <p:txBody>
+          <a:bodyPr/>
+          <a:lstStyle/>
+          <a:p>
+            <a:endParaRPr lang="en-US" dirty="0"/>
+          </a:p>
+        </p:txBody>
+      </p:sp>
+      <p:sp>
+        <p:nvSpPr>
+          <p:cNvPr id="12" name="Content Placeholder 11"/>
+          <p:cNvSpPr>
+            <a:spLocks noGrp="1"/>
+          </p:cNvSpPr>
+          <p:nvPr>
+            <p:ph sz="quarter" idx="4"/>
+          </p:nvPr>
+        </p:nvSpPr>
+        <p:spPr/>
+        <p:txBody>
+          <a:bodyPr/>
+          <a:lstStyle/>
+          <a:p>
+            <a:pPr marL="0" indent="0">
+              <a:buNone/>
+            </a:pPr>
+            <a:r>
+              <a:rPr lang="en-US" dirty="0" smtClean="0"/>
+              <a:t>  </a:t>
+            </a:r>
+          </a:p>
+          <a:p>
+            <a:pPr marL="0" indent="0">
+              <a:buNone/>
+            </a:pPr>
+            <a:endParaRPr lang="en-US" dirty="0"/>
+          </a:p>
+        </p:txBody>
+      </p:sp>
+      <p:pic>
+        <p:nvPicPr>
+          <p:cNvPr id="6" name="Picture 5"/>
+          <p:cNvPicPr>
+            <a:picLocks noChangeAspect="1"/>
+          </p:cNvPicPr>
+          <p:nvPr/>
+        </p:nvPicPr>
+        <p:blipFill>
+          <a:blip r:embed="rId2"/>
+          <a:stretch>
+            <a:fillRect/>
+          </a:stretch>
+        </p:blipFill>
+        <p:spPr>
+          <a:xfrm>
+            <a:off x="771833" y="2296717"/>
+            <a:ext cx="5225742" cy="4862354"/>
+          </a:xfrm>
+          <a:prstGeom prst="rect">
+            <a:avLst/>
+          </a:prstGeom>
+        </p:spPr>
+      </p:pic>
+      <p:pic>
+        <p:nvPicPr>
+          <p:cNvPr id="7" name="Picture 6"/>
+          <p:cNvPicPr>
+            <a:picLocks noChangeAspect="1"/>
+          </p:cNvPicPr>
+          <p:nvPr/>
+        </p:nvPicPr>
+        <p:blipFill>
+          <a:blip r:embed="rId3"/>
+          <a:stretch>
+            <a:fillRect/>
+          </a:stretch>
+        </p:blipFill>
+        <p:spPr>
+          <a:xfrm>
+            <a:off x="6425514" y="2505075"/>
+            <a:ext cx="4775704" cy="4438533"/>
+          </a:xfrm>
+          <a:prstGeom prst="rect">
+            <a:avLst/>
+          </a:prstGeom>
+        </p:spPr>
+      </p:pic>
+      <p:sp>
+        <p:nvSpPr>
+          <p:cNvPr id="13" name="Rectangle 1"/>
+          <p:cNvSpPr>
+            <a:spLocks noGrp="1" noChangeArrowheads="1"/>
+          </p:cNvSpPr>
+          <p:nvPr>
+            <p:ph type="body" idx="1"/>
+          </p:nvPr>
+        </p:nvSpPr>
+        <p:spPr bwMode="auto">
+          <a:xfrm>
+            <a:off x="836938" y="1605607"/>
+            <a:ext cx="4789773" cy="615553"/>
+          </a:xfrm>
+          <a:prstGeom prst="rect">
+            <a:avLst/>
+          </a:prstGeom>
+          <a:solidFill>
+            <a:srgbClr val="FFFFFF"/>
+          </a:solidFill>
+          <a:ln>
+            <a:noFill/>
+          </a:ln>
+          <a:effectLst/>
+          <a:extLst>
+            <a:ext uri="{91240B29-F687-4F45-9708-019B960494DF}">
+              <a14:hiddenLine xmlns:a14="http://schemas.microsoft.com/office/drawing/2010/main" w="9525">
+                <a:solidFill>
+                  <a:schemeClr val="tx1"/>
+                </a:solidFill>
+                <a:miter lim="800000"/>
+                <a:headEnd/>
+                <a:tailEnd/>
+              </a14:hiddenLine>
+            </a:ext>
+            <a:ext uri="{AF507438-7753-43E0-B8FC-AC1667EBCBE1}">
+              <a14:hiddenEffects xmlns:a14="http://schemas.microsoft.com/office/drawing/2010/main">
+                <a:effectLst>
+                  <a:outerShdw dist="35921" dir="2700000" algn="ctr" rotWithShape="0">
+                    <a:schemeClr val="bg2"/>
+                  </a:outerShdw>
+                </a:effectLst>
+              </a14:hiddenEffects>
+            </a:ext>
+          </a:extLst>
+        </p:spPr>
+        <p:txBody>
+          <a:bodyPr vert="horz" wrap="none" lIns="0" tIns="0" rIns="0" bIns="0" numCol="1" anchor="ctr" anchorCtr="0" compatLnSpc="1">
+            <a:prstTxWarp prst="textNoShape">
+              <a:avLst/>
+            </a:prstTxWarp>
+            <a:spAutoFit/>
+          </a:bodyPr>
+          <a:lstStyle/>
+          <a:p>
+            <a:pPr marL="171450" marR="0" lvl="0" indent="-171450" algn="l" defTabSz="914400" rtl="0" eaLnBrk="0" fontAlgn="base" latinLnBrk="0" hangingPunct="0">
+              <a:lnSpc>
+                <a:spcPct val="100000"/>
+              </a:lnSpc>
+              <a:spcBef>
+                <a:spcPct val="0"/>
+              </a:spcBef>
+              <a:spcAft>
+                <a:spcPct val="0"/>
+              </a:spcAft>
+              <a:buClrTx/>
+              <a:buSzTx/>
+              <a:buFont typeface="Wingdings" panose="05000000000000000000" pitchFamily="2" charset="2"/>
+              <a:buChar char="Ø"/>
+              <a:tabLst/>
+            </a:pPr>
+            <a:r>
+              <a:rPr kumimoji="0" lang="en-US" altLang="en-US" sz="1000" b="0" i="0" u="none" strike="noStrike" cap="none" normalizeH="0" baseline="0" dirty="0" smtClean="0">
+                <a:ln>
+                  <a:noFill/>
+                </a:ln>
+                <a:solidFill>
+                  <a:srgbClr val="000000"/>
+                </a:solidFill>
+                <a:effectLst/>
+                <a:latin typeface="Lucida Console" panose="020B0609040504020204" pitchFamily="49" charset="0"/>
+              </a:rPr>
+              <a:t>&gt;&gt; </a:t>
+            </a:r>
+            <a:r>
+              <a:rPr kumimoji="0" lang="en-US" altLang="en-US" sz="1000" b="0" i="0" u="none" strike="noStrike" cap="none" normalizeH="0" baseline="0" dirty="0" smtClean="0">
+                <a:ln>
+                  <a:noFill/>
+                </a:ln>
+                <a:solidFill>
+                  <a:srgbClr val="000000"/>
+                </a:solidFill>
+                <a:effectLst/>
+                <a:latin typeface="Lucida Console" panose="020B0609040504020204" pitchFamily="49" charset="0"/>
+              </a:rPr>
+              <a:t>Non-/sparse entries: 533952/209531502 </a:t>
+            </a:r>
+          </a:p>
+          <a:p>
+            <a:pPr marL="171450" marR="0" lvl="0" indent="-171450" algn="l" defTabSz="914400" rtl="0" eaLnBrk="0" fontAlgn="base" latinLnBrk="0" hangingPunct="0">
+              <a:lnSpc>
+                <a:spcPct val="100000"/>
+              </a:lnSpc>
+              <a:spcBef>
+                <a:spcPct val="0"/>
+              </a:spcBef>
+              <a:spcAft>
+                <a:spcPct val="0"/>
+              </a:spcAft>
+              <a:buClrTx/>
+              <a:buSzTx/>
+              <a:buFont typeface="Wingdings" panose="05000000000000000000" pitchFamily="2" charset="2"/>
+              <a:buChar char="Ø"/>
+              <a:tabLst/>
+            </a:pPr>
+            <a:r>
+              <a:rPr kumimoji="0" lang="en-US" altLang="en-US" sz="1000" b="0" i="0" u="none" strike="noStrike" cap="none" normalizeH="0" baseline="0" dirty="0" smtClean="0">
+                <a:ln>
+                  <a:noFill/>
+                </a:ln>
+                <a:solidFill>
+                  <a:srgbClr val="000000"/>
+                </a:solidFill>
+                <a:effectLst/>
+                <a:latin typeface="Lucida Console" panose="020B0609040504020204" pitchFamily="49" charset="0"/>
+              </a:rPr>
+              <a:t>Sparsity : 100% Maximal term length: 80</a:t>
+            </a:r>
+          </a:p>
+          <a:p>
+            <a:pPr marL="171450" marR="0" lvl="0" indent="-171450" algn="l" defTabSz="914400" rtl="0" eaLnBrk="0" fontAlgn="base" latinLnBrk="0" hangingPunct="0">
+              <a:lnSpc>
+                <a:spcPct val="100000"/>
+              </a:lnSpc>
+              <a:spcBef>
+                <a:spcPct val="0"/>
+              </a:spcBef>
+              <a:spcAft>
+                <a:spcPct val="0"/>
+              </a:spcAft>
+              <a:buClrTx/>
+              <a:buSzTx/>
+              <a:buFont typeface="Wingdings" panose="05000000000000000000" pitchFamily="2" charset="2"/>
+              <a:buChar char="Ø"/>
+              <a:tabLst/>
+            </a:pPr>
+            <a:r>
+              <a:rPr kumimoji="0" lang="en-US" altLang="en-US" sz="1000" b="0" i="0" u="none" strike="noStrike" cap="none" normalizeH="0" baseline="0" dirty="0" smtClean="0">
+                <a:ln>
+                  <a:noFill/>
+                </a:ln>
+                <a:solidFill>
+                  <a:srgbClr val="000000"/>
+                </a:solidFill>
+                <a:effectLst/>
+                <a:latin typeface="Lucida Console" panose="020B0609040504020204" pitchFamily="49" charset="0"/>
+              </a:rPr>
+              <a:t> Weighting : term frequency (</a:t>
+            </a:r>
+            <a:r>
+              <a:rPr kumimoji="0" lang="en-US" altLang="en-US" sz="1000" b="0" i="0" u="none" strike="noStrike" cap="none" normalizeH="0" baseline="0" dirty="0" err="1" smtClean="0">
+                <a:ln>
+                  <a:noFill/>
+                </a:ln>
+                <a:solidFill>
+                  <a:srgbClr val="000000"/>
+                </a:solidFill>
+                <a:effectLst/>
+                <a:latin typeface="Lucida Console" panose="020B0609040504020204" pitchFamily="49" charset="0"/>
+              </a:rPr>
+              <a:t>tf</a:t>
+            </a:r>
+            <a:r>
+              <a:rPr kumimoji="0" lang="en-US" altLang="en-US" sz="1000" b="0" i="0" u="none" strike="noStrike" cap="none" normalizeH="0" baseline="0" dirty="0" smtClean="0">
+                <a:ln>
+                  <a:noFill/>
+                </a:ln>
+                <a:solidFill>
+                  <a:srgbClr val="000000"/>
+                </a:solidFill>
+                <a:effectLst/>
+                <a:latin typeface="Lucida Console" panose="020B0609040504020204" pitchFamily="49" charset="0"/>
+              </a:rPr>
+              <a:t>)</a:t>
+            </a:r>
+          </a:p>
+          <a:p>
+            <a:pPr marL="171450" marR="0" lvl="0" indent="-171450" algn="l" defTabSz="914400" rtl="0" eaLnBrk="0" fontAlgn="base" latinLnBrk="0" hangingPunct="0">
+              <a:lnSpc>
+                <a:spcPct val="100000"/>
+              </a:lnSpc>
+              <a:spcBef>
+                <a:spcPct val="0"/>
+              </a:spcBef>
+              <a:spcAft>
+                <a:spcPct val="0"/>
+              </a:spcAft>
+              <a:buClrTx/>
+              <a:buSzTx/>
+              <a:buFont typeface="Wingdings" panose="05000000000000000000" pitchFamily="2" charset="2"/>
+              <a:buChar char="Ø"/>
+              <a:tabLst/>
+            </a:pPr>
+            <a:r>
+              <a:rPr kumimoji="0" lang="en-US" altLang="en-US" sz="1000" b="0" i="0" u="none" strike="noStrike" cap="none" normalizeH="0" baseline="0" dirty="0" err="1" smtClean="0">
+                <a:ln>
+                  <a:noFill/>
+                </a:ln>
+                <a:solidFill>
+                  <a:srgbClr val="0000FF"/>
+                </a:solidFill>
+                <a:effectLst/>
+                <a:latin typeface="Lucida Console" panose="020B0609040504020204" pitchFamily="49" charset="0"/>
+              </a:rPr>
+              <a:t>AZ.dtm</a:t>
+            </a:r>
+            <a:r>
+              <a:rPr kumimoji="0" lang="en-US" altLang="en-US" sz="1000" b="0" i="0" u="none" strike="noStrike" cap="none" normalizeH="0" baseline="0" dirty="0" smtClean="0">
+                <a:ln>
+                  <a:noFill/>
+                </a:ln>
+                <a:solidFill>
+                  <a:srgbClr val="0000FF"/>
+                </a:solidFill>
+                <a:effectLst/>
+                <a:latin typeface="Lucida Console" panose="020B0609040504020204" pitchFamily="49" charset="0"/>
+              </a:rPr>
+              <a:t> </a:t>
+            </a:r>
+            <a:r>
+              <a:rPr kumimoji="0" lang="en-US" altLang="en-US" sz="1000" b="0" i="0" u="none" strike="noStrike" cap="none" normalizeH="0" baseline="0" dirty="0" smtClean="0">
+                <a:ln>
+                  <a:noFill/>
+                </a:ln>
+                <a:solidFill>
+                  <a:srgbClr val="000000"/>
+                </a:solidFill>
+                <a:effectLst/>
+                <a:latin typeface="Lucida Console" panose="020B0609040504020204" pitchFamily="49" charset="0"/>
+              </a:rPr>
+              <a:t>&lt;&lt;</a:t>
+            </a:r>
+            <a:r>
+              <a:rPr kumimoji="0" lang="en-US" altLang="en-US" sz="1000" b="0" i="0" u="none" strike="noStrike" cap="none" normalizeH="0" baseline="0" dirty="0" err="1" smtClean="0">
+                <a:ln>
+                  <a:noFill/>
+                </a:ln>
+                <a:solidFill>
+                  <a:srgbClr val="000000"/>
+                </a:solidFill>
+                <a:effectLst/>
+                <a:latin typeface="Lucida Console" panose="020B0609040504020204" pitchFamily="49" charset="0"/>
+              </a:rPr>
+              <a:t>DocumentTermMatrix</a:t>
+            </a:r>
+            <a:r>
+              <a:rPr kumimoji="0" lang="en-US" altLang="en-US" sz="1000" b="0" i="0" u="none" strike="noStrike" cap="none" normalizeH="0" baseline="0" dirty="0" smtClean="0">
+                <a:ln>
+                  <a:noFill/>
+                </a:ln>
+                <a:solidFill>
+                  <a:srgbClr val="000000"/>
+                </a:solidFill>
+                <a:effectLst/>
+                <a:latin typeface="Lucida Console" panose="020B0609040504020204" pitchFamily="49" charset="0"/>
+              </a:rPr>
+              <a:t> (documents: 10827, terms: 19402)</a:t>
+            </a:r>
+            <a:endParaRPr kumimoji="0" lang="en-US" altLang="en-US" sz="1000" b="0" i="0" u="none" strike="noStrike" cap="none" normalizeH="0" baseline="0" dirty="0" smtClean="0">
+              <a:ln>
+                <a:noFill/>
+              </a:ln>
+              <a:solidFill>
+                <a:srgbClr val="000000"/>
+              </a:solidFill>
+              <a:effectLst/>
+              <a:latin typeface="Lucida Console" panose="020B0609040504020204" pitchFamily="49" charset="0"/>
+            </a:endParaRPr>
+          </a:p>
+        </p:txBody>
+      </p:sp>
+      <p:sp>
+        <p:nvSpPr>
+          <p:cNvPr id="14" name="Rectangle 2"/>
+          <p:cNvSpPr>
+            <a:spLocks noGrp="1" noChangeArrowheads="1"/>
+          </p:cNvSpPr>
+          <p:nvPr>
+            <p:ph type="body" sz="quarter" idx="3"/>
+          </p:nvPr>
+        </p:nvSpPr>
+        <p:spPr bwMode="auto">
+          <a:xfrm>
+            <a:off x="6172200" y="1528663"/>
+            <a:ext cx="4789773" cy="769441"/>
+          </a:xfrm>
+          <a:prstGeom prst="rect">
+            <a:avLst/>
+          </a:prstGeom>
+          <a:solidFill>
+            <a:srgbClr val="FFFFFF"/>
+          </a:solidFill>
+          <a:ln>
+            <a:noFill/>
+          </a:ln>
+          <a:effectLst/>
+          <a:extLst>
+            <a:ext uri="{91240B29-F687-4F45-9708-019B960494DF}">
+              <a14:hiddenLine xmlns:a14="http://schemas.microsoft.com/office/drawing/2010/main" w="9525">
+                <a:solidFill>
+                  <a:schemeClr val="tx1"/>
+                </a:solidFill>
+                <a:miter lim="800000"/>
+                <a:headEnd/>
+                <a:tailEnd/>
+              </a14:hiddenLine>
+            </a:ext>
+            <a:ext uri="{AF507438-7753-43E0-B8FC-AC1667EBCBE1}">
+              <a14:hiddenEffects xmlns:a14="http://schemas.microsoft.com/office/drawing/2010/main">
+                <a:effectLst>
+                  <a:outerShdw dist="35921" dir="2700000" algn="ctr" rotWithShape="0">
+                    <a:schemeClr val="bg2"/>
+                  </a:outerShdw>
+                </a:effectLst>
+              </a14:hiddenEffects>
+            </a:ext>
+          </a:extLst>
+        </p:spPr>
+        <p:txBody>
+          <a:bodyPr vert="horz" wrap="none" lIns="0" tIns="0" rIns="0" bIns="0" numCol="1" anchor="ctr" anchorCtr="0" compatLnSpc="1">
+            <a:prstTxWarp prst="textNoShape">
+              <a:avLst/>
+            </a:prstTxWarp>
+            <a:spAutoFit/>
+          </a:bodyPr>
+          <a:lstStyle/>
+          <a:p>
+            <a:pPr marL="171450" marR="0" lvl="0" indent="-171450" algn="l" defTabSz="914400" rtl="0" eaLnBrk="0" fontAlgn="base" latinLnBrk="0" hangingPunct="0">
+              <a:lnSpc>
+                <a:spcPct val="100000"/>
+              </a:lnSpc>
+              <a:spcBef>
+                <a:spcPct val="0"/>
+              </a:spcBef>
+              <a:spcAft>
+                <a:spcPct val="0"/>
+              </a:spcAft>
+              <a:buClrTx/>
+              <a:buSzTx/>
+              <a:buFont typeface="Wingdings" panose="05000000000000000000" pitchFamily="2" charset="2"/>
+              <a:buChar char="Ø"/>
+              <a:tabLst/>
+            </a:pPr>
+            <a:r>
+              <a:rPr kumimoji="0" lang="en-US" altLang="en-US" sz="1000" b="0" i="0" u="none" strike="noStrike" cap="none" normalizeH="0" baseline="0" dirty="0" err="1" smtClean="0">
+                <a:ln>
+                  <a:noFill/>
+                </a:ln>
+                <a:solidFill>
+                  <a:srgbClr val="0000FF"/>
+                </a:solidFill>
+                <a:effectLst/>
+                <a:latin typeface="Lucida Console" panose="020B0609040504020204" pitchFamily="49" charset="0"/>
+              </a:rPr>
+              <a:t>AZ.dtm.sp</a:t>
+            </a:r>
+            <a:r>
+              <a:rPr kumimoji="0" lang="en-US" altLang="en-US" sz="1000" b="0" i="0" u="none" strike="noStrike" cap="none" normalizeH="0" baseline="0" dirty="0" smtClean="0">
+                <a:ln>
+                  <a:noFill/>
+                </a:ln>
+                <a:solidFill>
+                  <a:srgbClr val="0000FF"/>
+                </a:solidFill>
+                <a:effectLst/>
+                <a:latin typeface="Lucida Console" panose="020B0609040504020204" pitchFamily="49" charset="0"/>
+              </a:rPr>
+              <a:t> </a:t>
+            </a:r>
+            <a:r>
+              <a:rPr kumimoji="0" lang="en-US" altLang="en-US" sz="1000" b="0" i="0" u="none" strike="noStrike" cap="none" normalizeH="0" baseline="0" dirty="0" smtClean="0">
+                <a:ln>
+                  <a:noFill/>
+                </a:ln>
+                <a:solidFill>
+                  <a:srgbClr val="000000"/>
+                </a:solidFill>
+                <a:effectLst/>
+                <a:latin typeface="Lucida Console" panose="020B0609040504020204" pitchFamily="49" charset="0"/>
+              </a:rPr>
+              <a:t>&lt;&lt;</a:t>
+            </a:r>
+            <a:r>
+              <a:rPr kumimoji="0" lang="en-US" altLang="en-US" sz="1000" b="0" i="0" u="none" strike="noStrike" cap="none" normalizeH="0" baseline="0" dirty="0" err="1" smtClean="0">
+                <a:ln>
+                  <a:noFill/>
+                </a:ln>
+                <a:solidFill>
+                  <a:srgbClr val="000000"/>
+                </a:solidFill>
+                <a:effectLst/>
+                <a:latin typeface="Lucida Console" panose="020B0609040504020204" pitchFamily="49" charset="0"/>
+              </a:rPr>
+              <a:t>DocumentTermMatrix</a:t>
+            </a:r>
+            <a:r>
+              <a:rPr kumimoji="0" lang="en-US" altLang="en-US" sz="1000" b="0" i="0" u="none" strike="noStrike" cap="none" normalizeH="0" baseline="0" dirty="0" smtClean="0">
+                <a:ln>
+                  <a:noFill/>
+                </a:ln>
+                <a:solidFill>
+                  <a:srgbClr val="000000"/>
+                </a:solidFill>
+                <a:effectLst/>
+                <a:latin typeface="Lucida Console" panose="020B0609040504020204" pitchFamily="49" charset="0"/>
+              </a:rPr>
+              <a:t> (documents: 10827, terms: 47)</a:t>
+            </a:r>
+          </a:p>
+          <a:p>
+            <a:pPr marL="171450" marR="0" lvl="0" indent="-171450" algn="l" defTabSz="914400" rtl="0" eaLnBrk="0" fontAlgn="base" latinLnBrk="0" hangingPunct="0">
+              <a:lnSpc>
+                <a:spcPct val="100000"/>
+              </a:lnSpc>
+              <a:spcBef>
+                <a:spcPct val="0"/>
+              </a:spcBef>
+              <a:spcAft>
+                <a:spcPct val="0"/>
+              </a:spcAft>
+              <a:buClrTx/>
+              <a:buSzTx/>
+              <a:buFont typeface="Wingdings" panose="05000000000000000000" pitchFamily="2" charset="2"/>
+              <a:buChar char="Ø"/>
+              <a:tabLst/>
+            </a:pPr>
+            <a:r>
+              <a:rPr kumimoji="0" lang="en-US" altLang="en-US" sz="1000" b="0" i="0" u="none" strike="noStrike" cap="none" normalizeH="0" baseline="0" dirty="0" smtClean="0">
+                <a:ln>
+                  <a:noFill/>
+                </a:ln>
+                <a:solidFill>
+                  <a:srgbClr val="000000"/>
+                </a:solidFill>
+                <a:effectLst/>
+                <a:latin typeface="Lucida Console" panose="020B0609040504020204" pitchFamily="49" charset="0"/>
+              </a:rPr>
+              <a:t>&gt;&gt; Non-/sparse entries: 112366/396503 </a:t>
+            </a:r>
+          </a:p>
+          <a:p>
+            <a:pPr marL="171450" marR="0" lvl="0" indent="-171450" algn="l" defTabSz="914400" rtl="0" eaLnBrk="0" fontAlgn="base" latinLnBrk="0" hangingPunct="0">
+              <a:lnSpc>
+                <a:spcPct val="100000"/>
+              </a:lnSpc>
+              <a:spcBef>
+                <a:spcPct val="0"/>
+              </a:spcBef>
+              <a:spcAft>
+                <a:spcPct val="0"/>
+              </a:spcAft>
+              <a:buClrTx/>
+              <a:buSzTx/>
+              <a:buFont typeface="Wingdings" panose="05000000000000000000" pitchFamily="2" charset="2"/>
+              <a:buChar char="Ø"/>
+              <a:tabLst/>
+            </a:pPr>
+            <a:r>
+              <a:rPr kumimoji="0" lang="en-US" altLang="en-US" sz="1000" b="0" i="0" u="none" strike="noStrike" cap="none" normalizeH="0" baseline="0" dirty="0" smtClean="0">
+                <a:ln>
+                  <a:noFill/>
+                </a:ln>
+                <a:solidFill>
+                  <a:srgbClr val="000000"/>
+                </a:solidFill>
+                <a:effectLst/>
+                <a:latin typeface="Lucida Console" panose="020B0609040504020204" pitchFamily="49" charset="0"/>
+              </a:rPr>
+              <a:t>Sparsity : 78%</a:t>
+            </a:r>
+          </a:p>
+          <a:p>
+            <a:pPr marL="171450" marR="0" lvl="0" indent="-171450" algn="l" defTabSz="914400" rtl="0" eaLnBrk="0" fontAlgn="base" latinLnBrk="0" hangingPunct="0">
+              <a:lnSpc>
+                <a:spcPct val="100000"/>
+              </a:lnSpc>
+              <a:spcBef>
+                <a:spcPct val="0"/>
+              </a:spcBef>
+              <a:spcAft>
+                <a:spcPct val="0"/>
+              </a:spcAft>
+              <a:buClrTx/>
+              <a:buSzTx/>
+              <a:buFont typeface="Wingdings" panose="05000000000000000000" pitchFamily="2" charset="2"/>
+              <a:buChar char="Ø"/>
+              <a:tabLst/>
+            </a:pPr>
+            <a:r>
+              <a:rPr kumimoji="0" lang="en-US" altLang="en-US" sz="1000" b="0" i="0" u="none" strike="noStrike" cap="none" normalizeH="0" baseline="0" dirty="0" smtClean="0">
+                <a:ln>
+                  <a:noFill/>
+                </a:ln>
+                <a:solidFill>
+                  <a:srgbClr val="000000"/>
+                </a:solidFill>
+                <a:effectLst/>
+                <a:latin typeface="Lucida Console" panose="020B0609040504020204" pitchFamily="49" charset="0"/>
+              </a:rPr>
+              <a:t> Maximal term length: 9 </a:t>
+            </a:r>
+          </a:p>
+          <a:p>
+            <a:pPr marL="171450" marR="0" lvl="0" indent="-171450" algn="l" defTabSz="914400" rtl="0" eaLnBrk="0" fontAlgn="base" latinLnBrk="0" hangingPunct="0">
+              <a:lnSpc>
+                <a:spcPct val="100000"/>
+              </a:lnSpc>
+              <a:spcBef>
+                <a:spcPct val="0"/>
+              </a:spcBef>
+              <a:spcAft>
+                <a:spcPct val="0"/>
+              </a:spcAft>
+              <a:buClrTx/>
+              <a:buSzTx/>
+              <a:buFont typeface="Wingdings" panose="05000000000000000000" pitchFamily="2" charset="2"/>
+              <a:buChar char="Ø"/>
+              <a:tabLst/>
+            </a:pPr>
+            <a:r>
+              <a:rPr kumimoji="0" lang="en-US" altLang="en-US" sz="1000" b="0" i="0" u="none" strike="noStrike" cap="none" normalizeH="0" baseline="0" dirty="0" smtClean="0">
+                <a:ln>
+                  <a:noFill/>
+                </a:ln>
+                <a:solidFill>
+                  <a:srgbClr val="000000"/>
+                </a:solidFill>
+                <a:effectLst/>
+                <a:latin typeface="Lucida Console" panose="020B0609040504020204" pitchFamily="49" charset="0"/>
+              </a:rPr>
+              <a:t>Weighting : term frequency (</a:t>
+            </a:r>
+            <a:r>
+              <a:rPr kumimoji="0" lang="en-US" altLang="en-US" sz="1000" b="0" i="0" u="none" strike="noStrike" cap="none" normalizeH="0" baseline="0" dirty="0" err="1" smtClean="0">
+                <a:ln>
+                  <a:noFill/>
+                </a:ln>
+                <a:solidFill>
+                  <a:srgbClr val="000000"/>
+                </a:solidFill>
+                <a:effectLst/>
+                <a:latin typeface="Lucida Console" panose="020B0609040504020204" pitchFamily="49" charset="0"/>
+              </a:rPr>
+              <a:t>tf</a:t>
+            </a:r>
+            <a:r>
+              <a:rPr kumimoji="0" lang="en-US" altLang="en-US" sz="1000" b="0" i="0" u="none" strike="noStrike" cap="none" normalizeH="0" baseline="0" dirty="0" smtClean="0">
+                <a:ln>
+                  <a:noFill/>
+                </a:ln>
+                <a:solidFill>
+                  <a:srgbClr val="000000"/>
+                </a:solidFill>
+                <a:effectLst/>
+                <a:latin typeface="Lucida Console" panose="020B0609040504020204" pitchFamily="49" charset="0"/>
+              </a:rPr>
+              <a:t>)</a:t>
+            </a:r>
+            <a:endParaRPr kumimoji="0" lang="en-US" altLang="en-US" sz="1800" b="0" i="0" u="none" strike="noStrike" cap="none" normalizeH="0" baseline="0" dirty="0" smtClean="0">
+              <a:ln>
+                <a:noFill/>
+              </a:ln>
+              <a:solidFill>
+                <a:schemeClr val="tx1"/>
+              </a:solidFill>
+              <a:effectLst/>
+              <a:latin typeface="Arial" panose="020B0604020202020204" pitchFamily="34" charset="0"/>
+            </a:endParaRPr>
+          </a:p>
+        </p:txBody>
+      </p:sp>
+    </p:spTree>
+    <p:extLst>
+      <p:ext uri="{BB962C8B-B14F-4D97-AF65-F5344CB8AC3E}">
+        <p14:creationId xmlns:p14="http://schemas.microsoft.com/office/powerpoint/2010/main" val="4133677472"/>
+      </p:ext>
+    </p:extLst>
+  </p:cSld>
+  <p:clrMapOvr>
+    <a:masterClrMapping/>
+  </p:clrMapOvr>
+</p:sld>
+</file>
+
+<file path=ppt/slides/slide5.xml><?xml version="1.0" encoding="utf-8"?>
+<p:sld xmlns:a="http://schemas.openxmlformats.org/drawingml/2006/main" xmlns:r="http://schemas.openxmlformats.org/officeDocument/2006/relationships" xmlns:p="http://schemas.openxmlformats.org/presentationml/2006/main">
+  <p:cSld>
+    <p:spTree>
+      <p:nvGrpSpPr>
+        <p:cNvPr id="1" name=""/>
+        <p:cNvGrpSpPr/>
+        <p:nvPr/>
+      </p:nvGrpSpPr>
+      <p:grpSpPr>
+        <a:xfrm>
+          <a:off x="0" y="0"/>
+          <a:ext cx="0" cy="0"/>
+          <a:chOff x="0" y="0"/>
+          <a:chExt cx="0" cy="0"/>
+        </a:xfrm>
+      </p:grpSpPr>
+      <p:sp>
+        <p:nvSpPr>
+          <p:cNvPr id="2" name="Title 1"/>
+          <p:cNvSpPr>
+            <a:spLocks noGrp="1"/>
+          </p:cNvSpPr>
+          <p:nvPr>
+            <p:ph type="title"/>
+          </p:nvPr>
+        </p:nvSpPr>
+        <p:spPr>
+          <a:xfrm>
+            <a:off x="823784" y="117991"/>
+            <a:ext cx="10515600" cy="722270"/>
+          </a:xfrm>
+        </p:spPr>
+        <p:txBody>
+          <a:bodyPr>
+            <a:normAutofit/>
+          </a:bodyPr>
+          <a:lstStyle/>
+          <a:p>
+            <a:r>
+              <a:rPr lang="en-US" sz="3200" b="1" dirty="0" smtClean="0"/>
+              <a:t>Findings</a:t>
+            </a:r>
+            <a:endParaRPr lang="en-US" sz="3200" b="1" dirty="0"/>
+          </a:p>
+        </p:txBody>
+      </p:sp>
+      <p:sp>
+        <p:nvSpPr>
+          <p:cNvPr id="3" name="Content Placeholder 2"/>
+          <p:cNvSpPr>
+            <a:spLocks noGrp="1"/>
+          </p:cNvSpPr>
+          <p:nvPr>
+            <p:ph idx="1"/>
+          </p:nvPr>
+        </p:nvSpPr>
+        <p:spPr>
+          <a:xfrm>
+            <a:off x="838200" y="840261"/>
+            <a:ext cx="10515600" cy="5336702"/>
+          </a:xfrm>
+        </p:spPr>
+        <p:txBody>
+          <a:bodyPr>
+            <a:normAutofit lnSpcReduction="10000"/>
+          </a:bodyPr>
+          <a:lstStyle/>
+          <a:p>
+            <a:r>
+              <a:rPr lang="en-US" dirty="0" smtClean="0"/>
+              <a:t>LDA indicates the following terms are strongly associated to the </a:t>
+            </a:r>
+            <a:r>
+              <a:rPr lang="en-US" dirty="0"/>
+              <a:t>good reviews: </a:t>
+            </a:r>
+            <a:r>
+              <a:rPr lang="en-US" dirty="0" err="1" smtClean="0"/>
+              <a:t>best,friend</a:t>
+            </a:r>
+            <a:r>
+              <a:rPr lang="en-US" dirty="0"/>
+              <a:t>, recommend, good, great, help </a:t>
+            </a:r>
+            <a:endParaRPr lang="en-US" dirty="0" smtClean="0"/>
+          </a:p>
+          <a:p>
+            <a:r>
+              <a:rPr lang="en-US" dirty="0" smtClean="0"/>
+              <a:t>LDA fails on label appropriate topics when the text contain negation.  For example:</a:t>
+            </a:r>
+          </a:p>
+          <a:p>
+            <a:pPr lvl="1"/>
+            <a:r>
+              <a:rPr lang="en-US" dirty="0" smtClean="0"/>
+              <a:t>“[he] called back promptly”  vs “[office] does not call back for days” vs “do not hear anything from the office”</a:t>
+            </a:r>
+          </a:p>
+          <a:p>
+            <a:pPr lvl="1"/>
+            <a:r>
+              <a:rPr lang="en-US" dirty="0" smtClean="0"/>
+              <a:t>The </a:t>
+            </a:r>
+            <a:r>
+              <a:rPr lang="en-US" dirty="0" err="1" smtClean="0"/>
+              <a:t>textes</a:t>
+            </a:r>
+            <a:r>
+              <a:rPr lang="en-US" dirty="0" smtClean="0"/>
+              <a:t> that contains these phrases are labelled under the same topic</a:t>
+            </a:r>
+          </a:p>
+          <a:p>
+            <a:r>
+              <a:rPr lang="en-US" dirty="0" smtClean="0"/>
+              <a:t>Where LDA fails, LSA can be used to find similarity or dissimilarity.  </a:t>
+            </a:r>
+          </a:p>
+          <a:p>
+            <a:pPr lvl="1"/>
+            <a:r>
+              <a:rPr lang="en-US" dirty="0" smtClean="0"/>
+              <a:t>LSA finds that the two review text in the example above are quite ‘far’ apart.</a:t>
+            </a:r>
+          </a:p>
+          <a:p>
+            <a:r>
+              <a:rPr lang="en-US" dirty="0" smtClean="0"/>
+              <a:t>Next step:</a:t>
+            </a:r>
+          </a:p>
+          <a:p>
+            <a:pPr lvl="1"/>
+            <a:r>
+              <a:rPr lang="en-US" dirty="0" smtClean="0"/>
+              <a:t>LDA can be used to intelligently categorize Yelp business categories</a:t>
+            </a:r>
+          </a:p>
+          <a:p>
+            <a:pPr lvl="1"/>
+            <a:r>
+              <a:rPr lang="en-US" dirty="0" smtClean="0"/>
+              <a:t>Couple LDA and LSA in providing a Latent Semantic Index (LSI) to allow for a search of reviews using natural language like.</a:t>
+            </a:r>
+          </a:p>
+          <a:p>
+            <a:pPr marL="457200" lvl="1" indent="0">
+              <a:buNone/>
+            </a:pPr>
+            <a:endParaRPr lang="en-US" dirty="0"/>
+          </a:p>
+        </p:txBody>
+      </p:sp>
+    </p:spTree>
+    <p:extLst>
+      <p:ext uri="{BB962C8B-B14F-4D97-AF65-F5344CB8AC3E}">
+        <p14:creationId xmlns:p14="http://schemas.microsoft.com/office/powerpoint/2010/main" val="468598576"/>
       </p:ext>
     </p:extLst>
   </p:cSld>

--- a/doc/presentation/MyPresentation.pptx
+++ b/doc/presentation/MyPresentation.pptx
@@ -1132,11 +1132,7 @@
         <a:p>
           <a:r>
             <a:rPr lang="en-US" dirty="0" smtClean="0"/>
-            <a:t>Topic Modeling </a:t>
-          </a:r>
-          <a:r>
-            <a:rPr lang="en-US" dirty="0" smtClean="0"/>
-            <a:t> using Latent </a:t>
+            <a:t>Topic Modeling  using Latent </a:t>
           </a:r>
           <a:r>
             <a:rPr lang="en-US" dirty="0" err="1" smtClean="0"/>
@@ -1653,6 +1649,80 @@
         </a:p>
       </dgm:t>
     </dgm:pt>
+    <dgm:pt modelId="{7E7A2878-4AAF-443C-B9EC-AD7106874C6C}">
+      <dgm:prSet phldrT="[Text]"/>
+      <dgm:spPr/>
+      <dgm:t>
+        <a:bodyPr/>
+        <a:lstStyle/>
+        <a:p>
+          <a:r>
+            <a:rPr lang="en-US" dirty="0" smtClean="0"/>
+            <a:t>Cross reference the topic and review stars also topic, review star, and business star</a:t>
+          </a:r>
+          <a:endParaRPr lang="en-US" dirty="0"/>
+        </a:p>
+      </dgm:t>
+    </dgm:pt>
+    <dgm:pt modelId="{19A1D5D8-C776-4ECB-9950-C13CED714D61}" type="parTrans" cxnId="{D365BAAA-F5FC-4D50-8A7C-CC85B8876676}">
+      <dgm:prSet/>
+      <dgm:spPr/>
+      <dgm:t>
+        <a:bodyPr/>
+        <a:lstStyle/>
+        <a:p>
+          <a:endParaRPr lang="en-US"/>
+        </a:p>
+      </dgm:t>
+    </dgm:pt>
+    <dgm:pt modelId="{74F5FE8D-D695-4701-BD51-CDDEE8976EEA}" type="sibTrans" cxnId="{D365BAAA-F5FC-4D50-8A7C-CC85B8876676}">
+      <dgm:prSet/>
+      <dgm:spPr/>
+      <dgm:t>
+        <a:bodyPr/>
+        <a:lstStyle/>
+        <a:p>
+          <a:endParaRPr lang="en-US"/>
+        </a:p>
+      </dgm:t>
+    </dgm:pt>
+    <dgm:pt modelId="{F9E3CA80-AEC9-4781-998C-6A32D359A69D}">
+      <dgm:prSet phldrT="[Text]"/>
+      <dgm:spPr/>
+      <dgm:t>
+        <a:bodyPr/>
+        <a:lstStyle/>
+        <a:p>
+          <a:r>
+            <a:rPr lang="en-US" dirty="0" smtClean="0"/>
+            <a:t>Uncover the terms that are indicative of positive, negative reviews</a:t>
+          </a:r>
+          <a:endParaRPr lang="en-US" dirty="0"/>
+        </a:p>
+      </dgm:t>
+    </dgm:pt>
+    <dgm:pt modelId="{E07725B3-4D2F-44BA-B463-C27FA4180305}" type="parTrans" cxnId="{3C723B84-9D9C-4A2E-B4E8-8A7349C71920}">
+      <dgm:prSet/>
+      <dgm:spPr/>
+      <dgm:t>
+        <a:bodyPr/>
+        <a:lstStyle/>
+        <a:p>
+          <a:endParaRPr lang="en-US"/>
+        </a:p>
+      </dgm:t>
+    </dgm:pt>
+    <dgm:pt modelId="{EA0A2730-C2F6-4E95-8893-85AB08CF5823}" type="sibTrans" cxnId="{3C723B84-9D9C-4A2E-B4E8-8A7349C71920}">
+      <dgm:prSet/>
+      <dgm:spPr/>
+      <dgm:t>
+        <a:bodyPr/>
+        <a:lstStyle/>
+        <a:p>
+          <a:endParaRPr lang="en-US"/>
+        </a:p>
+      </dgm:t>
+    </dgm:pt>
     <dgm:pt modelId="{DA5481D8-49F6-4363-B6D3-B19616BC798F}" type="pres">
       <dgm:prSet presAssocID="{0F1124F1-BB4A-407B-891B-BB9B9DC77E71}" presName="linear" presStyleCnt="0">
         <dgm:presLayoutVars>
@@ -1887,30 +1957,33 @@
     <dgm:cxn modelId="{E9AD0B7A-EC35-4D97-941A-C7E0E1754197}" srcId="{9275A3F9-724D-4C3B-AD32-4C0CA29A212A}" destId="{860AF616-77DB-4B6C-BEF9-0C2E50B8182B}" srcOrd="4" destOrd="0" parTransId="{36188AB8-ECDA-4857-8782-68B58D858438}" sibTransId="{16B69289-1CB0-488B-BF24-D5F208BA5AC5}"/>
     <dgm:cxn modelId="{6E4999AE-38EA-4A10-B7B1-39A0A4E1DE24}" srcId="{C6E33E3B-4A34-4867-B930-55E192878CB0}" destId="{D8BEA258-909F-492F-892C-57351263A4C1}" srcOrd="2" destOrd="0" parTransId="{0185E038-8289-42FF-B55C-E68598F55234}" sibTransId="{108992B0-A31E-4F71-9787-129C269C9B90}"/>
     <dgm:cxn modelId="{1A1B8170-D663-4A95-A5EC-C51E27598036}" type="presOf" srcId="{860AF616-77DB-4B6C-BEF9-0C2E50B8182B}" destId="{904B8CB1-8C8B-40AF-B953-D228748C4D2E}" srcOrd="0" destOrd="4" presId="urn:microsoft.com/office/officeart/2005/8/layout/list1"/>
+    <dgm:cxn modelId="{FE2C142F-5CE1-43E5-B85D-BECCC7D47E08}" srcId="{9275A3F9-724D-4C3B-AD32-4C0CA29A212A}" destId="{E4E65F8C-A356-4622-91E6-733B2D302BF8}" srcOrd="1" destOrd="0" parTransId="{E28AE0D5-5B90-4ED2-8472-B80EADABD49B}" sibTransId="{550DE831-782C-4453-BE54-D8A2986F998A}"/>
+    <dgm:cxn modelId="{44A04D54-47F6-4A40-8F4B-6E6FD8713FD9}" type="presOf" srcId="{E4E65F8C-A356-4622-91E6-733B2D302BF8}" destId="{904B8CB1-8C8B-40AF-B953-D228748C4D2E}" srcOrd="0" destOrd="1" presId="urn:microsoft.com/office/officeart/2005/8/layout/list1"/>
     <dgm:cxn modelId="{BCF9B5F2-EAA1-4DD0-8183-E303CC094F82}" type="presOf" srcId="{DB90EB38-D9C4-400E-9051-0265E8A28934}" destId="{A414A348-CDA7-41FF-A3DC-FDE2157D9BCB}" srcOrd="1" destOrd="0" presId="urn:microsoft.com/office/officeart/2005/8/layout/list1"/>
-    <dgm:cxn modelId="{44A04D54-47F6-4A40-8F4B-6E6FD8713FD9}" type="presOf" srcId="{E4E65F8C-A356-4622-91E6-733B2D302BF8}" destId="{904B8CB1-8C8B-40AF-B953-D228748C4D2E}" srcOrd="0" destOrd="1" presId="urn:microsoft.com/office/officeart/2005/8/layout/list1"/>
-    <dgm:cxn modelId="{FE2C142F-5CE1-43E5-B85D-BECCC7D47E08}" srcId="{9275A3F9-724D-4C3B-AD32-4C0CA29A212A}" destId="{E4E65F8C-A356-4622-91E6-733B2D302BF8}" srcOrd="1" destOrd="0" parTransId="{E28AE0D5-5B90-4ED2-8472-B80EADABD49B}" sibTransId="{550DE831-782C-4453-BE54-D8A2986F998A}"/>
     <dgm:cxn modelId="{F4C55C3A-7E68-47D7-916C-8266D7A9743B}" type="presOf" srcId="{D8BEA258-909F-492F-892C-57351263A4C1}" destId="{B135836A-5259-4053-8883-2CEDCB53BFBC}" srcOrd="0" destOrd="2" presId="urn:microsoft.com/office/officeart/2005/8/layout/list1"/>
     <dgm:cxn modelId="{A1B476BA-F268-4EB3-9AC3-F9734982C0A2}" srcId="{DB90EB38-D9C4-400E-9051-0265E8A28934}" destId="{4219EA2B-9139-43D1-94E9-4BB7D30D962A}" srcOrd="0" destOrd="0" parTransId="{8289E78E-4F78-49BC-A390-599DE843D3EC}" sibTransId="{A6D59B80-2003-4DFF-91CD-7264D614946B}"/>
     <dgm:cxn modelId="{C5C6B0A6-F828-490F-A2A4-348E66057FC0}" type="presOf" srcId="{DB90EB38-D9C4-400E-9051-0265E8A28934}" destId="{93BC6D9D-1401-413B-BEBB-5F4FF77CEADF}" srcOrd="0" destOrd="0" presId="urn:microsoft.com/office/officeart/2005/8/layout/list1"/>
     <dgm:cxn modelId="{B08A7300-5420-4B3F-AB7B-B9EA4A1B2CDA}" type="presOf" srcId="{56C6956C-A08C-4B26-BB21-BFE264F004A8}" destId="{F0AF03FD-7C24-4393-9342-DAE729543B66}" srcOrd="0" destOrd="0" presId="urn:microsoft.com/office/officeart/2005/8/layout/list1"/>
     <dgm:cxn modelId="{8AF80A01-83C4-4ACD-884B-262D9B9A1392}" srcId="{0F1124F1-BB4A-407B-891B-BB9B9DC77E71}" destId="{03292351-BA20-4242-A909-FC6FD069DF99}" srcOrd="3" destOrd="0" parTransId="{FBDCBBF3-159D-4167-BA1A-547549DE8325}" sibTransId="{F944F270-7716-457D-BE28-A2F1C4CF0772}"/>
     <dgm:cxn modelId="{3E32D02B-9E77-435F-9CBF-AC0D7524FA68}" type="presOf" srcId="{320800BE-DE8B-4174-82AF-3AA344187A85}" destId="{B135836A-5259-4053-8883-2CEDCB53BFBC}" srcOrd="0" destOrd="0" presId="urn:microsoft.com/office/officeart/2005/8/layout/list1"/>
+    <dgm:cxn modelId="{0430A16F-43C8-4640-BA2B-CD87D33841AB}" type="presOf" srcId="{F9E3CA80-AEC9-4781-998C-6A32D359A69D}" destId="{2D50D6F6-D45C-434F-B4FD-F7EEEBB3D0E6}" srcOrd="0" destOrd="2" presId="urn:microsoft.com/office/officeart/2005/8/layout/list1"/>
     <dgm:cxn modelId="{54FAF91D-7301-4C2A-9198-51936A3F2866}" srcId="{9275A3F9-724D-4C3B-AD32-4C0CA29A212A}" destId="{4E958641-EF01-45A6-8504-29227A8D173C}" srcOrd="3" destOrd="0" parTransId="{7FAB8E2A-84C1-4D97-BD44-003233F2C4D0}" sibTransId="{40604F42-14D6-48EC-8B00-D88F5DF74404}"/>
     <dgm:cxn modelId="{D3A9C1D6-9F6F-4B5E-B624-C0F196A429EB}" srcId="{0F1124F1-BB4A-407B-891B-BB9B9DC77E71}" destId="{C6E33E3B-4A34-4867-B930-55E192878CB0}" srcOrd="0" destOrd="0" parTransId="{E54F3B08-85D9-49EE-B4E9-4A3FE534E280}" sibTransId="{7561114D-7A88-4C62-BC4D-BC099F31C22D}"/>
     <dgm:cxn modelId="{F0503ACB-14AE-4660-8053-4B59D24839D9}" type="presOf" srcId="{136F2A81-73A2-46C4-AE82-023DF0471795}" destId="{904B8CB1-8C8B-40AF-B953-D228748C4D2E}" srcOrd="0" destOrd="0" presId="urn:microsoft.com/office/officeart/2005/8/layout/list1"/>
+    <dgm:cxn modelId="{3C723B84-9D9C-4A2E-B4E8-8A7349C71920}" srcId="{DB90EB38-D9C4-400E-9051-0265E8A28934}" destId="{F9E3CA80-AEC9-4781-998C-6A32D359A69D}" srcOrd="2" destOrd="0" parTransId="{E07725B3-4D2F-44BA-B463-C27FA4180305}" sibTransId="{EA0A2730-C2F6-4E95-8893-85AB08CF5823}"/>
     <dgm:cxn modelId="{C9C8BE34-4B84-4B4E-9CF5-FA8A2722A4F1}" type="presOf" srcId="{8A6C606E-9CA3-4B88-8AC5-9D63F22CFB58}" destId="{B135836A-5259-4053-8883-2CEDCB53BFBC}" srcOrd="0" destOrd="3" presId="urn:microsoft.com/office/officeart/2005/8/layout/list1"/>
     <dgm:cxn modelId="{B6159B95-1F6E-45CC-A07E-92360AB2611B}" type="presOf" srcId="{03292351-BA20-4242-A909-FC6FD069DF99}" destId="{D7C977B8-F5F4-4C4A-BE72-1535C1E4952F}" srcOrd="0" destOrd="0" presId="urn:microsoft.com/office/officeart/2005/8/layout/list1"/>
     <dgm:cxn modelId="{D3845128-78F6-4150-9CB2-FD8AC48C4270}" type="presOf" srcId="{16775495-15DF-4DE0-BA86-B53AB833B24E}" destId="{B135836A-5259-4053-8883-2CEDCB53BFBC}" srcOrd="0" destOrd="4" presId="urn:microsoft.com/office/officeart/2005/8/layout/list1"/>
     <dgm:cxn modelId="{6A099B7B-89E9-4FA9-8C44-90867E221DE1}" srcId="{03292351-BA20-4242-A909-FC6FD069DF99}" destId="{56C6956C-A08C-4B26-BB21-BFE264F004A8}" srcOrd="0" destOrd="0" parTransId="{4FA4C01D-B94D-4B78-BCB4-F437AC543D59}" sibTransId="{69F96DA1-659F-4668-A7FC-DDE0CCEF8F0B}"/>
     <dgm:cxn modelId="{9122A960-C448-4F9E-AD25-05E01DFE1D06}" type="presOf" srcId="{4E958641-EF01-45A6-8504-29227A8D173C}" destId="{904B8CB1-8C8B-40AF-B953-D228748C4D2E}" srcOrd="0" destOrd="3" presId="urn:microsoft.com/office/officeart/2005/8/layout/list1"/>
-    <dgm:cxn modelId="{FFD7F8D7-32AC-4D67-BE24-67A52426AF5C}" type="presOf" srcId="{0F1124F1-BB4A-407B-891B-BB9B9DC77E71}" destId="{DA5481D8-49F6-4363-B6D3-B19616BC798F}" srcOrd="0" destOrd="0" presId="urn:microsoft.com/office/officeart/2005/8/layout/list1"/>
     <dgm:cxn modelId="{FC6DEBC9-E171-431B-9741-D4105C71BCB2}" srcId="{C6E33E3B-4A34-4867-B930-55E192878CB0}" destId="{16775495-15DF-4DE0-BA86-B53AB833B24E}" srcOrd="4" destOrd="0" parTransId="{FFDDA656-9A32-4AD5-93DE-C26F25AE7134}" sibTransId="{210B81D2-1B02-466B-8CCA-F9F93C574CFD}"/>
     <dgm:cxn modelId="{FB6B6EF4-3062-478F-8592-71C17A394725}" type="presOf" srcId="{C6E33E3B-4A34-4867-B930-55E192878CB0}" destId="{9D328815-686E-4587-8A37-16ECD0204B6B}" srcOrd="1" destOrd="0" presId="urn:microsoft.com/office/officeart/2005/8/layout/list1"/>
     <dgm:cxn modelId="{517EB715-AC48-4DEF-9694-F8FE387A4992}" srcId="{C6E33E3B-4A34-4867-B930-55E192878CB0}" destId="{102ED6D0-D3D7-4A70-ABC1-87AA013FE6F8}" srcOrd="1" destOrd="0" parTransId="{E4547D3E-10D7-4FBB-9041-15E73D9797FA}" sibTransId="{6D445C06-4CA6-4B90-B0DF-9DE706401D4B}"/>
+    <dgm:cxn modelId="{FFD7F8D7-32AC-4D67-BE24-67A52426AF5C}" type="presOf" srcId="{0F1124F1-BB4A-407B-891B-BB9B9DC77E71}" destId="{DA5481D8-49F6-4363-B6D3-B19616BC798F}" srcOrd="0" destOrd="0" presId="urn:microsoft.com/office/officeart/2005/8/layout/list1"/>
     <dgm:cxn modelId="{0EE1A537-824F-44FD-9B2C-9921BFE3C790}" type="presOf" srcId="{03292351-BA20-4242-A909-FC6FD069DF99}" destId="{FE0A26DD-C5A2-43C1-9715-13BAD5CF0CBE}" srcOrd="1" destOrd="0" presId="urn:microsoft.com/office/officeart/2005/8/layout/list1"/>
+    <dgm:cxn modelId="{D365BAAA-F5FC-4D50-8A7C-CC85B8876676}" srcId="{DB90EB38-D9C4-400E-9051-0265E8A28934}" destId="{7E7A2878-4AAF-443C-B9EC-AD7106874C6C}" srcOrd="1" destOrd="0" parTransId="{19A1D5D8-C776-4ECB-9950-C13CED714D61}" sibTransId="{74F5FE8D-D695-4701-BD51-CDDEE8976EEA}"/>
+    <dgm:cxn modelId="{9A79C5F6-D476-49CF-AC68-F4CA14CE399E}" type="presOf" srcId="{8D240DDA-76AC-4909-AD28-24F963EE01A7}" destId="{904B8CB1-8C8B-40AF-B953-D228748C4D2E}" srcOrd="0" destOrd="2" presId="urn:microsoft.com/office/officeart/2005/8/layout/list1"/>
     <dgm:cxn modelId="{9D05D1BC-7EEA-42EB-8B37-661681E7CCE8}" srcId="{C6E33E3B-4A34-4867-B930-55E192878CB0}" destId="{320800BE-DE8B-4174-82AF-3AA344187A85}" srcOrd="0" destOrd="0" parTransId="{027C7FEF-D9D0-4B95-A150-12830DDA86E7}" sibTransId="{CD80068F-E394-4D48-8C27-96365A013D3F}"/>
-    <dgm:cxn modelId="{9A79C5F6-D476-49CF-AC68-F4CA14CE399E}" type="presOf" srcId="{8D240DDA-76AC-4909-AD28-24F963EE01A7}" destId="{904B8CB1-8C8B-40AF-B953-D228748C4D2E}" srcOrd="0" destOrd="2" presId="urn:microsoft.com/office/officeart/2005/8/layout/list1"/>
     <dgm:cxn modelId="{B0DC602B-883B-4C10-AAB3-11A50C0B3BF0}" type="presOf" srcId="{9275A3F9-724D-4C3B-AD32-4C0CA29A212A}" destId="{88425A1B-CE82-4A74-86D7-DFF3A0D39D54}" srcOrd="1" destOrd="0" presId="urn:microsoft.com/office/officeart/2005/8/layout/list1"/>
     <dgm:cxn modelId="{C6268A3F-5018-4073-A6A8-B2D975DEAB74}" type="presOf" srcId="{9275A3F9-724D-4C3B-AD32-4C0CA29A212A}" destId="{F0653103-C18F-4A7C-B56E-39FBA5C9171B}" srcOrd="0" destOrd="0" presId="urn:microsoft.com/office/officeart/2005/8/layout/list1"/>
     <dgm:cxn modelId="{EFAFFBE1-D733-4E6E-8FDB-D3B33D0C93BA}" srcId="{0F1124F1-BB4A-407B-891B-BB9B9DC77E71}" destId="{DB90EB38-D9C4-400E-9051-0265E8A28934}" srcOrd="2" destOrd="0" parTransId="{1587E684-8DAE-4A75-8C18-2E6D4B5675B8}" sibTransId="{B9A7D93F-C1EA-428F-ADD6-12C52404ABEC}"/>
@@ -1920,6 +1993,7 @@
     <dgm:cxn modelId="{126AE502-60B8-44FB-A0DE-4A4F54AA261B}" srcId="{C6E33E3B-4A34-4867-B930-55E192878CB0}" destId="{8A6C606E-9CA3-4B88-8AC5-9D63F22CFB58}" srcOrd="3" destOrd="0" parTransId="{AE70F826-BC19-4D6C-B9C2-5BE865AA76CC}" sibTransId="{91CEBE97-8A27-4D2C-88E4-00752E7D4898}"/>
     <dgm:cxn modelId="{AD625BA6-B502-4D1A-BEBC-D7A103349F95}" srcId="{9275A3F9-724D-4C3B-AD32-4C0CA29A212A}" destId="{8D240DDA-76AC-4909-AD28-24F963EE01A7}" srcOrd="2" destOrd="0" parTransId="{117C77AF-F5F4-44E5-AC93-1E267DA3FDC9}" sibTransId="{04D7AE0F-B739-4344-9C14-F7B68299988F}"/>
     <dgm:cxn modelId="{1A6D1FA4-B99E-4C25-9C79-74DA4422F194}" type="presOf" srcId="{4219EA2B-9139-43D1-94E9-4BB7D30D962A}" destId="{2D50D6F6-D45C-434F-B4FD-F7EEEBB3D0E6}" srcOrd="0" destOrd="0" presId="urn:microsoft.com/office/officeart/2005/8/layout/list1"/>
+    <dgm:cxn modelId="{6AF61BBA-9B2E-49FC-A357-8B4F7CC3E43C}" type="presOf" srcId="{7E7A2878-4AAF-443C-B9EC-AD7106874C6C}" destId="{2D50D6F6-D45C-434F-B4FD-F7EEEBB3D0E6}" srcOrd="0" destOrd="1" presId="urn:microsoft.com/office/officeart/2005/8/layout/list1"/>
     <dgm:cxn modelId="{EE93FA8A-DCA3-42A9-A3B4-37CBD5231133}" type="presOf" srcId="{102ED6D0-D3D7-4A70-ABC1-87AA013FE6F8}" destId="{B135836A-5259-4053-8883-2CEDCB53BFBC}" srcOrd="0" destOrd="1" presId="urn:microsoft.com/office/officeart/2005/8/layout/list1"/>
     <dgm:cxn modelId="{C556E302-12B3-42E7-B0CE-71EA09413DDB}" type="presParOf" srcId="{DA5481D8-49F6-4363-B6D3-B19616BC798F}" destId="{842C0200-8685-47CC-9B7F-3A4DCB136FBD}" srcOrd="0" destOrd="0" presId="urn:microsoft.com/office/officeart/2005/8/layout/list1"/>
     <dgm:cxn modelId="{380F3E4B-15ED-4E4D-AFC9-E7F22C056097}" type="presParOf" srcId="{842C0200-8685-47CC-9B7F-3A4DCB136FBD}" destId="{22D2004A-930F-459D-888D-A563C6307FA0}" srcOrd="0" destOrd="0" presId="urn:microsoft.com/office/officeart/2005/8/layout/list1"/>
@@ -1970,8 +2044,8 @@
       </dsp:nvSpPr>
       <dsp:spPr>
         <a:xfrm>
-          <a:off x="0" y="235961"/>
-          <a:ext cx="8128000" cy="1606500"/>
+          <a:off x="0" y="484069"/>
+          <a:ext cx="8128000" cy="1392300"/>
         </a:xfrm>
         <a:prstGeom prst="rect">
           <a:avLst/>
@@ -2015,12 +2089,12 @@
         <a:fontRef idx="minor"/>
       </dsp:style>
       <dsp:txBody>
-        <a:bodyPr spcFirstLastPara="0" vert="horz" wrap="square" lIns="630823" tIns="312420" rIns="630823" bIns="106680" numCol="1" spcCol="1270" anchor="t" anchorCtr="0">
+        <a:bodyPr spcFirstLastPara="0" vert="horz" wrap="square" lIns="630823" tIns="270764" rIns="630823" bIns="92456" numCol="1" spcCol="1270" anchor="t" anchorCtr="0">
           <a:noAutofit/>
         </a:bodyPr>
         <a:lstStyle/>
         <a:p>
-          <a:pPr marL="114300" lvl="1" indent="-114300" algn="l" defTabSz="666750">
+          <a:pPr marL="114300" lvl="1" indent="-114300" algn="l" defTabSz="577850">
             <a:lnSpc>
               <a:spcPct val="90000"/>
             </a:lnSpc>
@@ -2033,13 +2107,13 @@
             <a:buChar char="••"/>
           </a:pPr>
           <a:r>
-            <a:rPr lang="en-US" sz="1500" kern="1200" dirty="0" smtClean="0"/>
+            <a:rPr lang="en-US" sz="1300" kern="1200" dirty="0" smtClean="0"/>
             <a:t>Reading JSON files into R objects. </a:t>
           </a:r>
-          <a:endParaRPr lang="en-US" sz="1500" kern="1200" dirty="0"/>
+          <a:endParaRPr lang="en-US" sz="1300" kern="1200" dirty="0"/>
         </a:p>
         <a:p>
-          <a:pPr marL="114300" lvl="1" indent="-114300" algn="l" defTabSz="666750">
+          <a:pPr marL="114300" lvl="1" indent="-114300" algn="l" defTabSz="577850">
             <a:lnSpc>
               <a:spcPct val="90000"/>
             </a:lnSpc>
@@ -2052,13 +2126,13 @@
             <a:buChar char="••"/>
           </a:pPr>
           <a:r>
-            <a:rPr lang="en-US" sz="1500" kern="1200" dirty="0" smtClean="0"/>
+            <a:rPr lang="en-US" sz="1300" kern="1200" dirty="0" smtClean="0"/>
             <a:t>Persist R Objects to files for later loading</a:t>
           </a:r>
-          <a:endParaRPr lang="en-US" sz="1500" kern="1200" dirty="0"/>
+          <a:endParaRPr lang="en-US" sz="1300" kern="1200" dirty="0"/>
         </a:p>
         <a:p>
-          <a:pPr marL="114300" lvl="1" indent="-114300" algn="l" defTabSz="666750">
+          <a:pPr marL="114300" lvl="1" indent="-114300" algn="l" defTabSz="577850">
             <a:lnSpc>
               <a:spcPct val="90000"/>
             </a:lnSpc>
@@ -2071,13 +2145,13 @@
             <a:buChar char="••"/>
           </a:pPr>
           <a:r>
-            <a:rPr lang="en-US" sz="1500" kern="1200" dirty="0" smtClean="0"/>
+            <a:rPr lang="en-US" sz="1300" kern="1200" dirty="0" smtClean="0"/>
             <a:t>Persist business R Objects to database (optional)</a:t>
           </a:r>
-          <a:endParaRPr lang="en-US" sz="1500" kern="1200" dirty="0"/>
+          <a:endParaRPr lang="en-US" sz="1300" kern="1200" dirty="0"/>
         </a:p>
         <a:p>
-          <a:pPr marL="114300" lvl="1" indent="-114300" algn="l" defTabSz="666750">
+          <a:pPr marL="114300" lvl="1" indent="-114300" algn="l" defTabSz="577850">
             <a:lnSpc>
               <a:spcPct val="90000"/>
             </a:lnSpc>
@@ -2090,13 +2164,13 @@
             <a:buChar char="••"/>
           </a:pPr>
           <a:r>
-            <a:rPr lang="en-US" sz="1500" kern="1200" dirty="0" smtClean="0"/>
+            <a:rPr lang="en-US" sz="1300" kern="1200" dirty="0" smtClean="0"/>
             <a:t>Merging business and review for selected business and states</a:t>
           </a:r>
-          <a:endParaRPr lang="en-US" sz="1500" kern="1200" dirty="0"/>
+          <a:endParaRPr lang="en-US" sz="1300" kern="1200" dirty="0"/>
         </a:p>
         <a:p>
-          <a:pPr marL="114300" lvl="1" indent="-114300" algn="l" defTabSz="666750">
+          <a:pPr marL="114300" lvl="1" indent="-114300" algn="l" defTabSz="577850">
             <a:lnSpc>
               <a:spcPct val="90000"/>
             </a:lnSpc>
@@ -2109,15 +2183,15 @@
             <a:buChar char="••"/>
           </a:pPr>
           <a:r>
-            <a:rPr lang="en-US" sz="1500" kern="1200" dirty="0" smtClean="0"/>
+            <a:rPr lang="en-US" sz="1300" kern="1200" dirty="0" smtClean="0"/>
             <a:t>Persist the merged result to a table in an RDBMS for use and query later</a:t>
           </a:r>
-          <a:endParaRPr lang="en-US" sz="1500" kern="1200" dirty="0"/>
+          <a:endParaRPr lang="en-US" sz="1300" kern="1200" dirty="0"/>
         </a:p>
       </dsp:txBody>
       <dsp:txXfrm>
-        <a:off x="0" y="235961"/>
-        <a:ext cx="8128000" cy="1606500"/>
+        <a:off x="0" y="484069"/>
+        <a:ext cx="8128000" cy="1392300"/>
       </dsp:txXfrm>
     </dsp:sp>
     <dsp:sp modelId="{9D328815-686E-4587-8A37-16ECD0204B6B}">
@@ -2127,8 +2201,8 @@
       </dsp:nvSpPr>
       <dsp:spPr>
         <a:xfrm>
-          <a:off x="406400" y="14561"/>
-          <a:ext cx="5689600" cy="442800"/>
+          <a:off x="406400" y="292189"/>
+          <a:ext cx="5689600" cy="383760"/>
         </a:xfrm>
         <a:prstGeom prst="roundRect">
           <a:avLst/>
@@ -2178,7 +2252,7 @@
         </a:bodyPr>
         <a:lstStyle/>
         <a:p>
-          <a:pPr lvl="0" algn="l" defTabSz="666750">
+          <a:pPr lvl="0" algn="l" defTabSz="577850">
             <a:lnSpc>
               <a:spcPct val="90000"/>
             </a:lnSpc>
@@ -2190,15 +2264,15 @@
             </a:spcAft>
           </a:pPr>
           <a:r>
-            <a:rPr lang="en-US" sz="1500" kern="1200" dirty="0" smtClean="0"/>
+            <a:rPr lang="en-US" sz="1300" kern="1200" dirty="0" smtClean="0"/>
             <a:t>Getting, cleaning, and preparing data</a:t>
           </a:r>
-          <a:endParaRPr lang="en-US" sz="1500" kern="1200" dirty="0"/>
+          <a:endParaRPr lang="en-US" sz="1300" kern="1200" dirty="0"/>
         </a:p>
       </dsp:txBody>
       <dsp:txXfrm>
-        <a:off x="428016" y="36177"/>
-        <a:ext cx="5646368" cy="399568"/>
+        <a:off x="425134" y="310923"/>
+        <a:ext cx="5652132" cy="346292"/>
       </dsp:txXfrm>
     </dsp:sp>
     <dsp:sp modelId="{904B8CB1-8C8B-40AF-B953-D228748C4D2E}">
@@ -2208,8 +2282,8 @@
       </dsp:nvSpPr>
       <dsp:spPr>
         <a:xfrm>
-          <a:off x="0" y="2144861"/>
-          <a:ext cx="8128000" cy="1842750"/>
+          <a:off x="0" y="2138449"/>
+          <a:ext cx="8128000" cy="1392300"/>
         </a:xfrm>
         <a:prstGeom prst="rect">
           <a:avLst/>
@@ -2253,12 +2327,12 @@
         <a:fontRef idx="minor"/>
       </dsp:style>
       <dsp:txBody>
-        <a:bodyPr spcFirstLastPara="0" vert="horz" wrap="square" lIns="630823" tIns="312420" rIns="630823" bIns="106680" numCol="1" spcCol="1270" anchor="t" anchorCtr="0">
+        <a:bodyPr spcFirstLastPara="0" vert="horz" wrap="square" lIns="630823" tIns="270764" rIns="630823" bIns="92456" numCol="1" spcCol="1270" anchor="t" anchorCtr="0">
           <a:noAutofit/>
         </a:bodyPr>
         <a:lstStyle/>
         <a:p>
-          <a:pPr marL="114300" lvl="1" indent="-114300" algn="l" defTabSz="666750">
+          <a:pPr marL="114300" lvl="1" indent="-114300" algn="l" defTabSz="577850">
             <a:lnSpc>
               <a:spcPct val="90000"/>
             </a:lnSpc>
@@ -2271,13 +2345,13 @@
             <a:buChar char="••"/>
           </a:pPr>
           <a:r>
-            <a:rPr lang="en-US" sz="1500" kern="1200" dirty="0" smtClean="0"/>
+            <a:rPr lang="en-US" sz="1300" kern="1200" dirty="0" smtClean="0"/>
             <a:t>Query business and review text for only healthcare related business in Arizona state</a:t>
           </a:r>
-          <a:endParaRPr lang="en-US" sz="1500" kern="1200" dirty="0"/>
+          <a:endParaRPr lang="en-US" sz="1300" kern="1200" dirty="0"/>
         </a:p>
         <a:p>
-          <a:pPr marL="114300" lvl="1" indent="-114300" algn="l" defTabSz="666750">
+          <a:pPr marL="114300" lvl="1" indent="-114300" algn="l" defTabSz="577850">
             <a:lnSpc>
               <a:spcPct val="90000"/>
             </a:lnSpc>
@@ -2290,13 +2364,13 @@
             <a:buChar char="••"/>
           </a:pPr>
           <a:r>
-            <a:rPr lang="en-US" sz="1500" kern="1200" dirty="0" smtClean="0"/>
+            <a:rPr lang="en-US" sz="1300" kern="1200" dirty="0" smtClean="0"/>
             <a:t>Create corpus, remove punctuations, number, stop words</a:t>
           </a:r>
-          <a:endParaRPr lang="en-US" sz="1500" kern="1200" dirty="0"/>
+          <a:endParaRPr lang="en-US" sz="1300" kern="1200" dirty="0"/>
         </a:p>
         <a:p>
-          <a:pPr marL="114300" lvl="1" indent="-114300" algn="l" defTabSz="666750">
+          <a:pPr marL="114300" lvl="1" indent="-114300" algn="l" defTabSz="577850">
             <a:lnSpc>
               <a:spcPct val="90000"/>
             </a:lnSpc>
@@ -2309,13 +2383,13 @@
             <a:buChar char="••"/>
           </a:pPr>
           <a:r>
-            <a:rPr lang="en-US" sz="1500" kern="1200" dirty="0" smtClean="0"/>
+            <a:rPr lang="en-US" sz="1300" kern="1200" dirty="0" smtClean="0"/>
             <a:t>Stemming all documents</a:t>
           </a:r>
-          <a:endParaRPr lang="en-US" sz="1500" kern="1200" dirty="0"/>
+          <a:endParaRPr lang="en-US" sz="1300" kern="1200" dirty="0"/>
         </a:p>
         <a:p>
-          <a:pPr marL="114300" lvl="1" indent="-114300" algn="l" defTabSz="666750">
+          <a:pPr marL="114300" lvl="1" indent="-114300" algn="l" defTabSz="577850">
             <a:lnSpc>
               <a:spcPct val="90000"/>
             </a:lnSpc>
@@ -2328,13 +2402,13 @@
             <a:buChar char="••"/>
           </a:pPr>
           <a:r>
-            <a:rPr lang="en-US" sz="1500" kern="1200" dirty="0" smtClean="0"/>
+            <a:rPr lang="en-US" sz="1300" kern="1200" dirty="0" smtClean="0"/>
             <a:t>Using R tm package to create Document term matrix (DTM) and term document matrix (TDM) </a:t>
           </a:r>
-          <a:endParaRPr lang="en-US" sz="1500" kern="1200" dirty="0"/>
+          <a:endParaRPr lang="en-US" sz="1300" kern="1200" dirty="0"/>
         </a:p>
         <a:p>
-          <a:pPr marL="114300" lvl="1" indent="-114300" algn="l" defTabSz="666750">
+          <a:pPr marL="114300" lvl="1" indent="-114300" algn="l" defTabSz="577850">
             <a:lnSpc>
               <a:spcPct val="90000"/>
             </a:lnSpc>
@@ -2347,15 +2421,15 @@
             <a:buChar char="••"/>
           </a:pPr>
           <a:r>
-            <a:rPr lang="en-US" sz="1500" kern="1200" dirty="0" smtClean="0"/>
+            <a:rPr lang="en-US" sz="1300" kern="1200" dirty="0" smtClean="0"/>
             <a:t>Remove sparsity</a:t>
           </a:r>
-          <a:endParaRPr lang="en-US" sz="1500" kern="1200" dirty="0"/>
+          <a:endParaRPr lang="en-US" sz="1300" kern="1200" dirty="0"/>
         </a:p>
       </dsp:txBody>
       <dsp:txXfrm>
-        <a:off x="0" y="2144861"/>
-        <a:ext cx="8128000" cy="1842750"/>
+        <a:off x="0" y="2138449"/>
+        <a:ext cx="8128000" cy="1392300"/>
       </dsp:txXfrm>
     </dsp:sp>
     <dsp:sp modelId="{88425A1B-CE82-4A74-86D7-DFF3A0D39D54}">
@@ -2365,8 +2439,8 @@
       </dsp:nvSpPr>
       <dsp:spPr>
         <a:xfrm>
-          <a:off x="406400" y="1923461"/>
-          <a:ext cx="5689600" cy="442800"/>
+          <a:off x="406400" y="1946569"/>
+          <a:ext cx="5689600" cy="383760"/>
         </a:xfrm>
         <a:prstGeom prst="roundRect">
           <a:avLst/>
@@ -2416,7 +2490,7 @@
         </a:bodyPr>
         <a:lstStyle/>
         <a:p>
-          <a:pPr lvl="0" algn="l" defTabSz="666750">
+          <a:pPr lvl="0" algn="l" defTabSz="577850">
             <a:lnSpc>
               <a:spcPct val="90000"/>
             </a:lnSpc>
@@ -2428,15 +2502,15 @@
             </a:spcAft>
           </a:pPr>
           <a:r>
-            <a:rPr lang="en-US" sz="1500" kern="1200" dirty="0" smtClean="0"/>
+            <a:rPr lang="en-US" sz="1300" kern="1200" dirty="0" smtClean="0"/>
             <a:t>Text mining basics</a:t>
           </a:r>
-          <a:endParaRPr lang="en-US" sz="1500" kern="1200" dirty="0"/>
+          <a:endParaRPr lang="en-US" sz="1300" kern="1200" dirty="0"/>
         </a:p>
       </dsp:txBody>
       <dsp:txXfrm>
-        <a:off x="428016" y="1945077"/>
-        <a:ext cx="5646368" cy="399568"/>
+        <a:off x="425134" y="1965303"/>
+        <a:ext cx="5652132" cy="346292"/>
       </dsp:txXfrm>
     </dsp:sp>
     <dsp:sp modelId="{2D50D6F6-D45C-434F-B4FD-F7EEEBB3D0E6}">
@@ -2446,8 +2520,8 @@
       </dsp:nvSpPr>
       <dsp:spPr>
         <a:xfrm>
-          <a:off x="0" y="4290012"/>
-          <a:ext cx="8128000" cy="637875"/>
+          <a:off x="0" y="3792829"/>
+          <a:ext cx="8128000" cy="982800"/>
         </a:xfrm>
         <a:prstGeom prst="rect">
           <a:avLst/>
@@ -2491,12 +2565,12 @@
         <a:fontRef idx="minor"/>
       </dsp:style>
       <dsp:txBody>
-        <a:bodyPr spcFirstLastPara="0" vert="horz" wrap="square" lIns="630823" tIns="312420" rIns="630823" bIns="106680" numCol="1" spcCol="1270" anchor="t" anchorCtr="0">
+        <a:bodyPr spcFirstLastPara="0" vert="horz" wrap="square" lIns="630823" tIns="270764" rIns="630823" bIns="92456" numCol="1" spcCol="1270" anchor="t" anchorCtr="0">
           <a:noAutofit/>
         </a:bodyPr>
         <a:lstStyle/>
         <a:p>
-          <a:pPr marL="114300" lvl="1" indent="-114300" algn="l" defTabSz="666750">
+          <a:pPr marL="114300" lvl="1" indent="-114300" algn="l" defTabSz="577850">
             <a:lnSpc>
               <a:spcPct val="90000"/>
             </a:lnSpc>
@@ -2509,15 +2583,53 @@
             <a:buChar char="••"/>
           </a:pPr>
           <a:r>
-            <a:rPr lang="en-US" sz="1500" kern="1200" dirty="0" smtClean="0"/>
+            <a:rPr lang="en-US" sz="1300" kern="1200" dirty="0" smtClean="0"/>
             <a:t>Group and label the review text with a topic</a:t>
           </a:r>
-          <a:endParaRPr lang="en-US" sz="1500" kern="1200" dirty="0"/>
+          <a:endParaRPr lang="en-US" sz="1300" kern="1200" dirty="0"/>
+        </a:p>
+        <a:p>
+          <a:pPr marL="114300" lvl="1" indent="-114300" algn="l" defTabSz="577850">
+            <a:lnSpc>
+              <a:spcPct val="90000"/>
+            </a:lnSpc>
+            <a:spcBef>
+              <a:spcPct val="0"/>
+            </a:spcBef>
+            <a:spcAft>
+              <a:spcPct val="15000"/>
+            </a:spcAft>
+            <a:buChar char="••"/>
+          </a:pPr>
+          <a:r>
+            <a:rPr lang="en-US" sz="1300" kern="1200" dirty="0" smtClean="0"/>
+            <a:t>Cross reference the topic and review stars also topic, review star, and business star</a:t>
+          </a:r>
+          <a:endParaRPr lang="en-US" sz="1300" kern="1200" dirty="0"/>
+        </a:p>
+        <a:p>
+          <a:pPr marL="114300" lvl="1" indent="-114300" algn="l" defTabSz="577850">
+            <a:lnSpc>
+              <a:spcPct val="90000"/>
+            </a:lnSpc>
+            <a:spcBef>
+              <a:spcPct val="0"/>
+            </a:spcBef>
+            <a:spcAft>
+              <a:spcPct val="15000"/>
+            </a:spcAft>
+            <a:buChar char="••"/>
+          </a:pPr>
+          <a:r>
+            <a:rPr lang="en-US" sz="1300" kern="1200" dirty="0" smtClean="0"/>
+            <a:t>Uncover the terms that are indicative of positive, negative reviews</a:t>
+          </a:r>
+          <a:endParaRPr lang="en-US" sz="1300" kern="1200" dirty="0"/>
         </a:p>
       </dsp:txBody>
       <dsp:txXfrm>
-        <a:off x="0" y="4290012"/>
-        <a:ext cx="8128000" cy="637875"/>
+        <a:off x="0" y="3792829"/>
+        <a:ext cx="8128000" cy="982800"/>
       </dsp:txXfrm>
     </dsp:sp>
     <dsp:sp modelId="{A414A348-CDA7-41FF-A3DC-FDE2157D9BCB}">
@@ -2527,8 +2639,8 @@
       </dsp:nvSpPr>
       <dsp:spPr>
         <a:xfrm>
-          <a:off x="406400" y="4068612"/>
-          <a:ext cx="5689600" cy="442800"/>
+          <a:off x="406400" y="3600949"/>
+          <a:ext cx="5689600" cy="383760"/>
         </a:xfrm>
         <a:prstGeom prst="roundRect">
           <a:avLst/>
@@ -2578,7 +2690,7 @@
         </a:bodyPr>
         <a:lstStyle/>
         <a:p>
-          <a:pPr lvl="0" algn="l" defTabSz="666750">
+          <a:pPr lvl="0" algn="l" defTabSz="577850">
             <a:lnSpc>
               <a:spcPct val="90000"/>
             </a:lnSpc>
@@ -2590,27 +2702,23 @@
             </a:spcAft>
           </a:pPr>
           <a:r>
-            <a:rPr lang="en-US" sz="1500" kern="1200" dirty="0" smtClean="0"/>
-            <a:t>Topic Modeling </a:t>
+            <a:rPr lang="en-US" sz="1300" kern="1200" dirty="0" smtClean="0"/>
+            <a:t>Topic Modeling  using Latent </a:t>
           </a:r>
           <a:r>
-            <a:rPr lang="en-US" sz="1500" kern="1200" dirty="0" smtClean="0"/>
-            <a:t> using Latent </a:t>
-          </a:r>
-          <a:r>
-            <a:rPr lang="en-US" sz="1500" kern="1200" dirty="0" err="1" smtClean="0"/>
+            <a:rPr lang="en-US" sz="1300" kern="1200" dirty="0" err="1" smtClean="0"/>
             <a:t>Dirichlet</a:t>
           </a:r>
           <a:r>
-            <a:rPr lang="en-US" sz="1500" kern="1200" dirty="0" smtClean="0"/>
+            <a:rPr lang="en-US" sz="1300" kern="1200" dirty="0" smtClean="0"/>
             <a:t> Allocation (LDA)</a:t>
           </a:r>
-          <a:endParaRPr lang="en-US" sz="1500" kern="1200" dirty="0"/>
+          <a:endParaRPr lang="en-US" sz="1300" kern="1200" dirty="0"/>
         </a:p>
       </dsp:txBody>
       <dsp:txXfrm>
-        <a:off x="428016" y="4090228"/>
-        <a:ext cx="5646368" cy="399568"/>
+        <a:off x="425134" y="3619683"/>
+        <a:ext cx="5652132" cy="346292"/>
       </dsp:txXfrm>
     </dsp:sp>
     <dsp:sp modelId="{F0AF03FD-7C24-4393-9342-DAE729543B66}">
@@ -2620,8 +2728,8 @@
       </dsp:nvSpPr>
       <dsp:spPr>
         <a:xfrm>
-          <a:off x="0" y="5230287"/>
-          <a:ext cx="8128000" cy="637875"/>
+          <a:off x="0" y="5037709"/>
+          <a:ext cx="8128000" cy="552825"/>
         </a:xfrm>
         <a:prstGeom prst="rect">
           <a:avLst/>
@@ -2665,12 +2773,12 @@
         <a:fontRef idx="minor"/>
       </dsp:style>
       <dsp:txBody>
-        <a:bodyPr spcFirstLastPara="0" vert="horz" wrap="square" lIns="630823" tIns="312420" rIns="630823" bIns="106680" numCol="1" spcCol="1270" anchor="t" anchorCtr="0">
+        <a:bodyPr spcFirstLastPara="0" vert="horz" wrap="square" lIns="630823" tIns="270764" rIns="630823" bIns="92456" numCol="1" spcCol="1270" anchor="t" anchorCtr="0">
           <a:noAutofit/>
         </a:bodyPr>
         <a:lstStyle/>
         <a:p>
-          <a:pPr marL="114300" lvl="1" indent="-114300" algn="l" defTabSz="666750">
+          <a:pPr marL="114300" lvl="1" indent="-114300" algn="l" defTabSz="577850">
             <a:lnSpc>
               <a:spcPct val="90000"/>
             </a:lnSpc>
@@ -2683,15 +2791,15 @@
             <a:buChar char="••"/>
           </a:pPr>
           <a:r>
-            <a:rPr lang="en-US" sz="1500" kern="1200" dirty="0" smtClean="0"/>
+            <a:rPr lang="en-US" sz="1300" kern="1200" dirty="0" smtClean="0"/>
             <a:t>Finding similarities among the review documents</a:t>
           </a:r>
-          <a:endParaRPr lang="en-US" sz="1500" kern="1200" dirty="0"/>
+          <a:endParaRPr lang="en-US" sz="1300" kern="1200" dirty="0"/>
         </a:p>
       </dsp:txBody>
       <dsp:txXfrm>
-        <a:off x="0" y="5230287"/>
-        <a:ext cx="8128000" cy="637875"/>
+        <a:off x="0" y="5037709"/>
+        <a:ext cx="8128000" cy="552825"/>
       </dsp:txXfrm>
     </dsp:sp>
     <dsp:sp modelId="{FE0A26DD-C5A2-43C1-9715-13BAD5CF0CBE}">
@@ -2701,8 +2809,8 @@
       </dsp:nvSpPr>
       <dsp:spPr>
         <a:xfrm>
-          <a:off x="406400" y="5008887"/>
-          <a:ext cx="5689600" cy="442800"/>
+          <a:off x="406400" y="4845829"/>
+          <a:ext cx="5689600" cy="383760"/>
         </a:xfrm>
         <a:prstGeom prst="roundRect">
           <a:avLst/>
@@ -2752,7 +2860,7 @@
         </a:bodyPr>
         <a:lstStyle/>
         <a:p>
-          <a:pPr lvl="0" algn="l" defTabSz="666750">
+          <a:pPr lvl="0" algn="l" defTabSz="577850">
             <a:lnSpc>
               <a:spcPct val="90000"/>
             </a:lnSpc>
@@ -2764,15 +2872,15 @@
             </a:spcAft>
           </a:pPr>
           <a:r>
-            <a:rPr lang="en-US" sz="1500" kern="1200" dirty="0" smtClean="0"/>
+            <a:rPr lang="en-US" sz="1300" kern="1200" dirty="0" smtClean="0"/>
             <a:t>Latent Semantic Analysis (LSA)</a:t>
           </a:r>
-          <a:endParaRPr lang="en-US" sz="1500" kern="1200" dirty="0"/>
+          <a:endParaRPr lang="en-US" sz="1300" kern="1200" dirty="0"/>
         </a:p>
       </dsp:txBody>
       <dsp:txXfrm>
-        <a:off x="428016" y="5030503"/>
-        <a:ext cx="5646368" cy="399568"/>
+        <a:off x="425134" y="4864563"/>
+        <a:ext cx="5652132" cy="346292"/>
       </dsp:txXfrm>
     </dsp:sp>
   </dsp:spTree>
@@ -4465,7 +4573,7 @@
           <a:p>
             <a:fld id="{9C0B4EDF-910D-4BD1-B251-EEA832C828E4}" type="datetimeFigureOut">
               <a:rPr lang="en-US" smtClean="0"/>
-              <a:t>11/20/2015</a:t>
+              <a:t>11/21/2015</a:t>
             </a:fld>
             <a:endParaRPr lang="en-US"/>
           </a:p>
@@ -4635,7 +4743,7 @@
           <a:p>
             <a:fld id="{9C0B4EDF-910D-4BD1-B251-EEA832C828E4}" type="datetimeFigureOut">
               <a:rPr lang="en-US" smtClean="0"/>
-              <a:t>11/20/2015</a:t>
+              <a:t>11/21/2015</a:t>
             </a:fld>
             <a:endParaRPr lang="en-US"/>
           </a:p>
@@ -4815,7 +4923,7 @@
           <a:p>
             <a:fld id="{9C0B4EDF-910D-4BD1-B251-EEA832C828E4}" type="datetimeFigureOut">
               <a:rPr lang="en-US" smtClean="0"/>
-              <a:t>11/20/2015</a:t>
+              <a:t>11/21/2015</a:t>
             </a:fld>
             <a:endParaRPr lang="en-US"/>
           </a:p>
@@ -4985,7 +5093,7 @@
           <a:p>
             <a:fld id="{9C0B4EDF-910D-4BD1-B251-EEA832C828E4}" type="datetimeFigureOut">
               <a:rPr lang="en-US" smtClean="0"/>
-              <a:t>11/20/2015</a:t>
+              <a:t>11/21/2015</a:t>
             </a:fld>
             <a:endParaRPr lang="en-US"/>
           </a:p>
@@ -5231,7 +5339,7 @@
           <a:p>
             <a:fld id="{9C0B4EDF-910D-4BD1-B251-EEA832C828E4}" type="datetimeFigureOut">
               <a:rPr lang="en-US" smtClean="0"/>
-              <a:t>11/20/2015</a:t>
+              <a:t>11/21/2015</a:t>
             </a:fld>
             <a:endParaRPr lang="en-US"/>
           </a:p>
@@ -5463,7 +5571,7 @@
           <a:p>
             <a:fld id="{9C0B4EDF-910D-4BD1-B251-EEA832C828E4}" type="datetimeFigureOut">
               <a:rPr lang="en-US" smtClean="0"/>
-              <a:t>11/20/2015</a:t>
+              <a:t>11/21/2015</a:t>
             </a:fld>
             <a:endParaRPr lang="en-US"/>
           </a:p>
@@ -5830,7 +5938,7 @@
           <a:p>
             <a:fld id="{9C0B4EDF-910D-4BD1-B251-EEA832C828E4}" type="datetimeFigureOut">
               <a:rPr lang="en-US" smtClean="0"/>
-              <a:t>11/20/2015</a:t>
+              <a:t>11/21/2015</a:t>
             </a:fld>
             <a:endParaRPr lang="en-US"/>
           </a:p>
@@ -5948,7 +6056,7 @@
           <a:p>
             <a:fld id="{9C0B4EDF-910D-4BD1-B251-EEA832C828E4}" type="datetimeFigureOut">
               <a:rPr lang="en-US" smtClean="0"/>
-              <a:t>11/20/2015</a:t>
+              <a:t>11/21/2015</a:t>
             </a:fld>
             <a:endParaRPr lang="en-US"/>
           </a:p>
@@ -6043,7 +6151,7 @@
           <a:p>
             <a:fld id="{9C0B4EDF-910D-4BD1-B251-EEA832C828E4}" type="datetimeFigureOut">
               <a:rPr lang="en-US" smtClean="0"/>
-              <a:t>11/20/2015</a:t>
+              <a:t>11/21/2015</a:t>
             </a:fld>
             <a:endParaRPr lang="en-US"/>
           </a:p>
@@ -6320,7 +6428,7 @@
           <a:p>
             <a:fld id="{9C0B4EDF-910D-4BD1-B251-EEA832C828E4}" type="datetimeFigureOut">
               <a:rPr lang="en-US" smtClean="0"/>
-              <a:t>11/20/2015</a:t>
+              <a:t>11/21/2015</a:t>
             </a:fld>
             <a:endParaRPr lang="en-US"/>
           </a:p>
@@ -6573,7 +6681,7 @@
           <a:p>
             <a:fld id="{9C0B4EDF-910D-4BD1-B251-EEA832C828E4}" type="datetimeFigureOut">
               <a:rPr lang="en-US" smtClean="0"/>
-              <a:t>11/20/2015</a:t>
+              <a:t>11/21/2015</a:t>
             </a:fld>
             <a:endParaRPr lang="en-US"/>
           </a:p>
@@ -6786,7 +6894,7 @@
           <a:p>
             <a:fld id="{9C0B4EDF-910D-4BD1-B251-EEA832C828E4}" type="datetimeFigureOut">
               <a:rPr lang="en-US" smtClean="0"/>
-              <a:t>11/20/2015</a:t>
+              <a:t>11/21/2015</a:t>
             </a:fld>
             <a:endParaRPr lang="en-US"/>
           </a:p>
@@ -7445,7 +7553,7 @@
           <p:nvPr>
             <p:extLst>
               <p:ext uri="{D42A27DB-BD31-4B8C-83A1-F6EECF244321}">
-                <p14:modId xmlns:p14="http://schemas.microsoft.com/office/powerpoint/2010/main" val="3599853199"/>
+                <p14:modId xmlns:p14="http://schemas.microsoft.com/office/powerpoint/2010/main" val="2880115366"/>
               </p:ext>
             </p:extLst>
           </p:nvPr>
@@ -7578,15 +7686,7 @@
           <a:p>
             <a:r>
               <a:rPr lang="en-US" sz="2800" b="1" dirty="0" smtClean="0"/>
-              <a:t>Word cloud is an effective tool to get a quick and informative view of the data.   </a:t>
-            </a:r>
-            <a:r>
-              <a:rPr lang="en-US" sz="2800" b="1" dirty="0" smtClean="0"/>
-              <a:t>Data on the left cloud </a:t>
-            </a:r>
-            <a:r>
-              <a:rPr lang="en-US" sz="2800" b="1" dirty="0" smtClean="0"/>
-              <a:t>is 100% sparse, and  78% sparse on the right.  Both clouds immediate ‘tells’ the dataset is about ‘doctor’, ‘office’, and </a:t>
+              <a:t>Word cloud is an effective tool to get a quick and informative view of the data.   Data on the left cloud is 100% sparse, and  78% sparse on the right.  Both clouds immediate ‘tells’ the dataset is about ‘doctor’, ‘office’, and </a:t>
             </a:r>
             <a:r>
               <a:rPr lang="en-US" sz="3200" b="1" dirty="0" smtClean="0"/>
@@ -7777,20 +7877,7 @@
                 <a:effectLst/>
                 <a:latin typeface="Lucida Console" panose="020B0609040504020204" pitchFamily="49" charset="0"/>
               </a:rPr>
-              <a:t>&gt;&gt; </a:t>
-            </a:r>
-            <a:r>
-              <a:rPr kumimoji="0" lang="en-US" altLang="en-US" sz="1000" b="0" i="0" u="none" strike="noStrike" cap="none" normalizeH="0" baseline="0" dirty="0" smtClean="0">
-                <a:ln>
-                  <a:noFill/>
-                </a:ln>
-                <a:solidFill>
-                  <a:srgbClr val="000000"/>
-                </a:solidFill>
-                <a:effectLst/>
-                <a:latin typeface="Lucida Console" panose="020B0609040504020204" pitchFamily="49" charset="0"/>
-              </a:rPr>
-              <a:t>Non-/sparse entries: 533952/209531502 </a:t>
+              <a:t>&gt;&gt; Non-/sparse entries: 533952/209531502 </a:t>
             </a:r>
           </a:p>
           <a:p>
@@ -7963,16 +8050,6 @@
               </a:rPr>
               <a:t> (documents: 10827, terms: 19402)</a:t>
             </a:r>
-            <a:endParaRPr kumimoji="0" lang="en-US" altLang="en-US" sz="1000" b="0" i="0" u="none" strike="noStrike" cap="none" normalizeH="0" baseline="0" dirty="0" smtClean="0">
-              <a:ln>
-                <a:noFill/>
-              </a:ln>
-              <a:solidFill>
-                <a:srgbClr val="000000"/>
-              </a:solidFill>
-              <a:effectLst/>
-              <a:latin typeface="Lucida Console" panose="020B0609040504020204" pitchFamily="49" charset="0"/>
-            </a:endParaRPr>
           </a:p>
         </p:txBody>
       </p:sp>
@@ -8354,7 +8431,7 @@
         </p:spPr>
         <p:txBody>
           <a:bodyPr>
-            <a:normAutofit lnSpcReduction="10000"/>
+            <a:normAutofit fontScale="85000" lnSpcReduction="20000"/>
           </a:bodyPr>
           <a:lstStyle/>
           <a:p>
@@ -8367,14 +8444,26 @@
               <a:t>good reviews: </a:t>
             </a:r>
             <a:r>
-              <a:rPr lang="en-US" dirty="0" err="1" smtClean="0"/>
+              <a:rPr lang="en-US" dirty="0" err="1" smtClean="0">
+                <a:solidFill>
+                  <a:srgbClr val="FF0000"/>
+                </a:solidFill>
+              </a:rPr>
               <a:t>best,friend</a:t>
             </a:r>
             <a:r>
-              <a:rPr lang="en-US" dirty="0"/>
+              <a:rPr lang="en-US" dirty="0">
+                <a:solidFill>
+                  <a:srgbClr val="FF0000"/>
+                </a:solidFill>
+              </a:rPr>
               <a:t>, recommend, good, great, help </a:t>
             </a:r>
-            <a:endParaRPr lang="en-US" dirty="0" smtClean="0"/>
+            <a:endParaRPr lang="en-US" dirty="0" smtClean="0">
+              <a:solidFill>
+                <a:srgbClr val="FF0000"/>
+              </a:solidFill>
+            </a:endParaRPr>
           </a:p>
           <a:p>
             <a:r>
@@ -8396,12 +8485,12 @@
               <a:t>The </a:t>
             </a:r>
             <a:r>
-              <a:rPr lang="en-US" dirty="0" err="1" smtClean="0"/>
-              <a:t>textes</a:t>
-            </a:r>
-            <a:r>
               <a:rPr lang="en-US" dirty="0" smtClean="0"/>
-              <a:t> that contains these phrases are labelled under the same topic</a:t>
+              <a:t>text </a:t>
+            </a:r>
+            <a:r>
+              <a:rPr lang="en-US" dirty="0" smtClean="0"/>
+              <a:t>that contains these phrases are labelled under the same topic</a:t>
             </a:r>
           </a:p>
           <a:p>
@@ -8414,13 +8503,36 @@
             <a:pPr lvl="1"/>
             <a:r>
               <a:rPr lang="en-US" dirty="0" smtClean="0"/>
-              <a:t>LSA finds that the two review text in the example above are quite ‘far’ apart.</a:t>
-            </a:r>
-          </a:p>
-          <a:p>
+              <a:t>LSA finds that the two review text in the example above are quite ‘far’ apart</a:t>
+            </a:r>
             <a:r>
               <a:rPr lang="en-US" dirty="0" smtClean="0"/>
-              <a:t>Next step:</a:t>
+              <a:t>.</a:t>
+            </a:r>
+          </a:p>
+          <a:p>
+            <a:pPr lvl="1"/>
+            <a:r>
+              <a:rPr lang="en-US" dirty="0" smtClean="0"/>
+              <a:t>LDA and LSA can be used in complement each other for different tasks-topic modeling and clustering documents and/or queries</a:t>
+            </a:r>
+            <a:endParaRPr lang="en-US" dirty="0" smtClean="0"/>
+          </a:p>
+          <a:p>
+            <a:r>
+              <a:rPr lang="en-US" dirty="0" smtClean="0"/>
+              <a:t>The number of reviews for poor ranking businesses are much lower than good business.  It seems that when service is poor, users may not bother spending time to write reviews.  </a:t>
+            </a:r>
+            <a:endParaRPr lang="en-US" dirty="0"/>
+          </a:p>
+          <a:p>
+            <a:r>
+              <a:rPr lang="en-US" dirty="0" smtClean="0"/>
+              <a:t>Next </a:t>
+            </a:r>
+            <a:r>
+              <a:rPr lang="en-US" dirty="0" smtClean="0"/>
+              <a:t>step:</a:t>
             </a:r>
           </a:p>
           <a:p>
